--- a/Proj2/docs/Credit_Risk_Analysis.pptx
+++ b/Proj2/docs/Credit_Risk_Analysis.pptx
@@ -5,15 +5,20 @@
     <p:sldMasterId id="2147483648" r:id="rId1"/>
   </p:sldMasterIdLst>
   <p:notesMasterIdLst>
-    <p:notesMasterId r:id="rId8"/>
+    <p:notesMasterId r:id="rId13"/>
   </p:notesMasterIdLst>
   <p:sldIdLst>
     <p:sldId id="256" r:id="rId2"/>
     <p:sldId id="262" r:id="rId3"/>
-    <p:sldId id="278" r:id="rId4"/>
-    <p:sldId id="279" r:id="rId5"/>
+    <p:sldId id="279" r:id="rId4"/>
+    <p:sldId id="278" r:id="rId5"/>
     <p:sldId id="280" r:id="rId6"/>
-    <p:sldId id="263" r:id="rId7"/>
+    <p:sldId id="285" r:id="rId7"/>
+    <p:sldId id="286" r:id="rId8"/>
+    <p:sldId id="283" r:id="rId9"/>
+    <p:sldId id="284" r:id="rId10"/>
+    <p:sldId id="287" r:id="rId11"/>
+    <p:sldId id="263" r:id="rId12"/>
   </p:sldIdLst>
   <p:sldSz cx="12192000" cy="6858000"/>
   <p:notesSz cx="6858000" cy="9144000"/>
@@ -214,7 +219,7 @@
           <a:p>
             <a:fld id="{D9EA7D21-7E7E-4E69-8980-F2C3AB1CFA8E}" type="datetimeFigureOut">
               <a:rPr lang="pt-PT" smtClean="0"/>
-              <a:t>16/05/2021</a:t>
+              <a:t>26/05/2021</a:t>
             </a:fld>
             <a:endParaRPr lang="pt-PT"/>
           </a:p>
@@ -628,7 +633,7 @@
           <a:p>
             <a:fld id="{A8762A3A-0E7E-48AB-BEA2-87AC6A6981D4}" type="datetime1">
               <a:rPr lang="pt-PT" smtClean="0"/>
-              <a:t>16/05/2021</a:t>
+              <a:t>26/05/2021</a:t>
             </a:fld>
             <a:endParaRPr lang="pt-PT"/>
           </a:p>
@@ -829,7 +834,7 @@
           <a:p>
             <a:fld id="{4CD54A0B-2F9E-46D6-BE0F-7F2DFF6F30BC}" type="datetime1">
               <a:rPr lang="pt-PT" smtClean="0"/>
-              <a:t>16/05/2021</a:t>
+              <a:t>26/05/2021</a:t>
             </a:fld>
             <a:endParaRPr lang="pt-PT"/>
           </a:p>
@@ -1040,7 +1045,7 @@
           <a:p>
             <a:fld id="{99E9EC95-A535-49ED-AA24-62ACB904959B}" type="datetime1">
               <a:rPr lang="pt-PT" smtClean="0"/>
-              <a:t>16/05/2021</a:t>
+              <a:t>26/05/2021</a:t>
             </a:fld>
             <a:endParaRPr lang="pt-PT"/>
           </a:p>
@@ -1241,7 +1246,7 @@
           <a:p>
             <a:fld id="{87E2826B-8641-404B-9760-58C17C7AA257}" type="datetime1">
               <a:rPr lang="pt-PT" smtClean="0"/>
-              <a:t>16/05/2021</a:t>
+              <a:t>26/05/2021</a:t>
             </a:fld>
             <a:endParaRPr lang="pt-PT"/>
           </a:p>
@@ -1519,7 +1524,7 @@
           <a:p>
             <a:fld id="{FE63305B-164B-47C8-8048-DB67414B149F}" type="datetime1">
               <a:rPr lang="pt-PT" smtClean="0"/>
-              <a:t>16/05/2021</a:t>
+              <a:t>26/05/2021</a:t>
             </a:fld>
             <a:endParaRPr lang="pt-PT"/>
           </a:p>
@@ -1787,7 +1792,7 @@
           <a:p>
             <a:fld id="{FD8F2592-1E72-497A-8966-7C94BA0E3A19}" type="datetime1">
               <a:rPr lang="pt-PT" smtClean="0"/>
-              <a:t>16/05/2021</a:t>
+              <a:t>26/05/2021</a:t>
             </a:fld>
             <a:endParaRPr lang="pt-PT"/>
           </a:p>
@@ -2202,7 +2207,7 @@
           <a:p>
             <a:fld id="{0472EA26-C852-4C70-8377-91E6918AFB5F}" type="datetime1">
               <a:rPr lang="pt-PT" smtClean="0"/>
-              <a:t>16/05/2021</a:t>
+              <a:t>26/05/2021</a:t>
             </a:fld>
             <a:endParaRPr lang="pt-PT"/>
           </a:p>
@@ -2346,7 +2351,7 @@
           <a:p>
             <a:fld id="{582A8956-12F0-45F5-BDFA-AB0B6BF32141}" type="datetime1">
               <a:rPr lang="pt-PT" smtClean="0"/>
-              <a:t>16/05/2021</a:t>
+              <a:t>26/05/2021</a:t>
             </a:fld>
             <a:endParaRPr lang="pt-PT"/>
           </a:p>
@@ -2462,7 +2467,7 @@
           <a:p>
             <a:fld id="{A3176B22-385F-4253-A4E3-9A8BE943DD42}" type="datetime1">
               <a:rPr lang="pt-PT" smtClean="0"/>
-              <a:t>16/05/2021</a:t>
+              <a:t>26/05/2021</a:t>
             </a:fld>
             <a:endParaRPr lang="pt-PT"/>
           </a:p>
@@ -2776,7 +2781,7 @@
           <a:p>
             <a:fld id="{7A8746ED-0FF5-4D14-9251-CC2BD7AB4CC8}" type="datetime1">
               <a:rPr lang="pt-PT" smtClean="0"/>
-              <a:t>16/05/2021</a:t>
+              <a:t>26/05/2021</a:t>
             </a:fld>
             <a:endParaRPr lang="pt-PT"/>
           </a:p>
@@ -3067,7 +3072,7 @@
           <a:p>
             <a:fld id="{BB430B28-8ED8-4988-BF73-261503368F89}" type="datetime1">
               <a:rPr lang="pt-PT" smtClean="0"/>
-              <a:t>16/05/2021</a:t>
+              <a:t>26/05/2021</a:t>
             </a:fld>
             <a:endParaRPr lang="pt-PT"/>
           </a:p>
@@ -3311,7 +3316,7 @@
           <a:p>
             <a:fld id="{A8973630-2439-4966-A35D-CBA2E5259A9E}" type="datetime1">
               <a:rPr lang="pt-PT" smtClean="0"/>
-              <a:t>16/05/2021</a:t>
+              <a:t>26/05/2021</a:t>
             </a:fld>
             <a:endParaRPr lang="pt-PT"/>
           </a:p>
@@ -4014,7 +4019,7 @@
 </p:sld>
 </file>
 
-<file path=ppt/slides/slide2.xml><?xml version="1.0" encoding="utf-8"?>
+<file path=ppt/slides/slide10.xml><?xml version="1.0" encoding="utf-8"?>
 <p:sld xmlns:a="http://schemas.openxmlformats.org/drawingml/2006/main" xmlns:r="http://schemas.openxmlformats.org/officeDocument/2006/relationships" xmlns:p="http://schemas.openxmlformats.org/presentationml/2006/main">
   <p:cSld>
     <p:spTree>
@@ -4139,7 +4144,7 @@
             </a:r>
             <a:r>
               <a:rPr lang="pt-PT" b="1" dirty="0"/>
-              <a:t>2</a:t>
+              <a:t>10</a:t>
             </a:r>
             <a:endParaRPr lang="pt-PT" sz="1600" b="1" dirty="0"/>
           </a:p>
@@ -4194,7 +4199,7 @@
           <a:p>
             <a:r>
               <a:rPr lang="pt-PT" sz="4800" b="1" dirty="0"/>
-              <a:t>Especificação do Trabalho</a:t>
+              <a:t>Conclusões</a:t>
             </a:r>
           </a:p>
         </p:txBody>
@@ -4216,7 +4221,7 @@
         <p:spPr>
           <a:xfrm>
             <a:off x="838200" y="1353671"/>
-            <a:ext cx="10515600" cy="4781754"/>
+            <a:ext cx="10287259" cy="4781754"/>
           </a:xfrm>
           <a:prstGeom prst="rect">
             <a:avLst/>
@@ -4224,7 +4229,7 @@
         </p:spPr>
         <p:txBody>
           <a:bodyPr vert="horz" lIns="91440" tIns="45720" rIns="91440" bIns="45720" rtlCol="0">
-            <a:normAutofit fontScale="92500" lnSpcReduction="20000"/>
+            <a:normAutofit/>
           </a:bodyPr>
           <a:lstStyle>
             <a:lvl1pPr marL="0" indent="0" algn="ctr" defTabSz="914400" rtl="0" eaLnBrk="1" latinLnBrk="0" hangingPunct="1">
@@ -4391,183 +4396,200 @@
             </a:lvl9pPr>
           </a:lstStyle>
           <a:p>
-            <a:pPr algn="just">
+            <a:pPr marL="342900" indent="-342900" algn="just">
               <a:lnSpc>
                 <a:spcPct val="150000"/>
               </a:lnSpc>
-              <a:spcBef>
-                <a:spcPts val="500"/>
-              </a:spcBef>
+              <a:buFont typeface="Arial" panose="020B0604020202020204" pitchFamily="34" charset="0"/>
+              <a:buChar char="•"/>
             </a:pPr>
             <a:r>
-              <a:rPr lang="pt-PT" sz="1600" b="1" dirty="0" err="1"/>
-              <a:t>Supervised</a:t>
+              <a:rPr lang="pt-PT" sz="1800" dirty="0"/>
+              <a:t>Através da análise dos gráficos, é possível concluir que:</a:t>
+            </a:r>
+          </a:p>
+          <a:p>
+            <a:pPr marL="800100" lvl="1" indent="-342900" algn="just">
+              <a:lnSpc>
+                <a:spcPct val="150000"/>
+              </a:lnSpc>
+              <a:buFont typeface="Arial" panose="020B0604020202020204" pitchFamily="34" charset="0"/>
+              <a:buChar char="•"/>
+            </a:pPr>
+            <a:r>
+              <a:rPr lang="pt-PT" sz="1600" dirty="0"/>
+              <a:t>Todos os algoritmos foram capazes de alcançar mais de 85% de precisão, valores que considerámos ser o mínimo necessário para se poder considerar um modelo como bom.</a:t>
+            </a:r>
+          </a:p>
+          <a:p>
+            <a:pPr marL="800100" lvl="1" indent="-342900" algn="just">
+              <a:lnSpc>
+                <a:spcPct val="150000"/>
+              </a:lnSpc>
+              <a:buFont typeface="Arial" panose="020B0604020202020204" pitchFamily="34" charset="0"/>
+              <a:buChar char="•"/>
+            </a:pPr>
+            <a:r>
+              <a:rPr lang="pt-PT" sz="1600" b="1" dirty="0"/>
+              <a:t>KNN </a:t>
+            </a:r>
+            <a:r>
+              <a:rPr lang="pt-PT" sz="1600" dirty="0"/>
+              <a:t>foi o modelo com pior precisão, como seria de esperar.</a:t>
+            </a:r>
+          </a:p>
+          <a:p>
+            <a:pPr marL="800100" lvl="1" indent="-342900" algn="just">
+              <a:lnSpc>
+                <a:spcPct val="150000"/>
+              </a:lnSpc>
+              <a:buFont typeface="Arial" panose="020B0604020202020204" pitchFamily="34" charset="0"/>
+              <a:buChar char="•"/>
+            </a:pPr>
+            <a:r>
+              <a:rPr lang="pt-PT" sz="1600" b="1" dirty="0"/>
+              <a:t>Neural Networks </a:t>
+            </a:r>
+            <a:r>
+              <a:rPr lang="pt-PT" sz="1600" dirty="0"/>
+              <a:t>foi o modelo com melhor </a:t>
+            </a:r>
+            <a:r>
+              <a:rPr lang="pt-PT" sz="1600" i="1" dirty="0" err="1"/>
+              <a:t>average</a:t>
+            </a:r>
+            <a:r>
+              <a:rPr lang="pt-PT" sz="1600" i="1" dirty="0"/>
+              <a:t> score.</a:t>
+            </a:r>
+          </a:p>
+          <a:p>
+            <a:pPr marL="800100" lvl="1" indent="-342900" algn="just">
+              <a:lnSpc>
+                <a:spcPct val="150000"/>
+              </a:lnSpc>
+              <a:buFont typeface="Arial" panose="020B0604020202020204" pitchFamily="34" charset="0"/>
+              <a:buChar char="•"/>
+            </a:pPr>
+            <a:r>
+              <a:rPr lang="pt-PT" sz="1600" b="1" dirty="0"/>
+              <a:t>SVN </a:t>
+            </a:r>
+            <a:r>
+              <a:rPr lang="pt-PT" sz="1600" dirty="0"/>
+              <a:t>foi o modelo com melhor precisão.</a:t>
+            </a:r>
+            <a:endParaRPr lang="pt-PT" sz="1600" b="1" dirty="0"/>
+          </a:p>
+          <a:p>
+            <a:pPr marL="800100" lvl="1" indent="-342900" algn="just">
+              <a:lnSpc>
+                <a:spcPct val="150000"/>
+              </a:lnSpc>
+              <a:buFont typeface="Arial" panose="020B0604020202020204" pitchFamily="34" charset="0"/>
+              <a:buChar char="•"/>
+            </a:pPr>
+            <a:r>
+              <a:rPr lang="pt-PT" sz="1600" b="1" dirty="0"/>
+              <a:t>SVM </a:t>
+            </a:r>
+            <a:r>
+              <a:rPr lang="pt-PT" sz="1600" dirty="0"/>
+              <a:t>e </a:t>
+            </a:r>
+            <a:r>
+              <a:rPr lang="pt-PT" sz="1600" b="1" dirty="0"/>
+              <a:t>Neural Networks </a:t>
+            </a:r>
+            <a:r>
+              <a:rPr lang="pt-PT" sz="1600" dirty="0"/>
+              <a:t>foram os modelos que melhor resultados se apresentar, como seria de esperar.</a:t>
+            </a:r>
+          </a:p>
+          <a:p>
+            <a:pPr marL="800100" lvl="1" indent="-342900" algn="just">
+              <a:lnSpc>
+                <a:spcPct val="150000"/>
+              </a:lnSpc>
+              <a:buFont typeface="Arial" panose="020B0604020202020204" pitchFamily="34" charset="0"/>
+              <a:buChar char="•"/>
+            </a:pPr>
+            <a:r>
+              <a:rPr lang="pt-PT" sz="1600" dirty="0"/>
+              <a:t>A nível de tempo despendido para treinar,</a:t>
             </a:r>
             <a:r>
               <a:rPr lang="pt-PT" sz="1600" b="1" dirty="0"/>
               <a:t> </a:t>
             </a:r>
             <a:r>
+              <a:rPr lang="pt-PT" sz="1600" dirty="0"/>
+              <a:t>o modelo de </a:t>
+            </a:r>
+            <a:r>
+              <a:rPr lang="pt-PT" sz="1600" b="1" dirty="0"/>
+              <a:t>Neural Networks </a:t>
+            </a:r>
+            <a:r>
+              <a:rPr lang="pt-PT" sz="1600" dirty="0"/>
+              <a:t>foi o que mais tempo despendeu.</a:t>
+            </a:r>
+          </a:p>
+          <a:p>
+            <a:pPr marL="800100" lvl="1" indent="-342900" algn="just">
+              <a:lnSpc>
+                <a:spcPct val="150000"/>
+              </a:lnSpc>
+              <a:buFont typeface="Arial" panose="020B0604020202020204" pitchFamily="34" charset="0"/>
+              <a:buChar char="•"/>
+            </a:pPr>
+            <a:r>
+              <a:rPr lang="pt-PT" sz="1600" dirty="0"/>
+              <a:t>Com efeito, o modelo </a:t>
+            </a:r>
+            <a:r>
+              <a:rPr lang="pt-PT" sz="1600" b="1" dirty="0"/>
+              <a:t>SVM </a:t>
+            </a:r>
+            <a:r>
+              <a:rPr lang="pt-PT" sz="1600" dirty="0"/>
+              <a:t>é o melhor modelo para o nosso problema, seguido de </a:t>
+            </a:r>
+            <a:r>
+              <a:rPr lang="pt-PT" sz="1600" b="1" dirty="0"/>
+              <a:t>Neural Networks</a:t>
+            </a:r>
+            <a:r>
+              <a:rPr lang="pt-PT" sz="1600" dirty="0"/>
+              <a:t>, </a:t>
+            </a:r>
+            <a:r>
               <a:rPr lang="pt-PT" sz="1600" b="1" dirty="0" err="1"/>
-              <a:t>Learning</a:t>
+              <a:t>Decision</a:t>
             </a:r>
             <a:r>
               <a:rPr lang="pt-PT" sz="1600" b="1" dirty="0"/>
               <a:t> </a:t>
             </a:r>
             <a:r>
+              <a:rPr lang="pt-PT" sz="1600" b="1" dirty="0" err="1"/>
+              <a:t>Tree</a:t>
+            </a:r>
+            <a:r>
               <a:rPr lang="pt-PT" sz="1600" dirty="0"/>
-              <a:t> é um tipo de </a:t>
-            </a:r>
-            <a:r>
-              <a:rPr lang="pt-PT" sz="1600" i="1" dirty="0" err="1"/>
-              <a:t>machine</a:t>
-            </a:r>
-            <a:r>
-              <a:rPr lang="pt-PT" sz="1600" i="1" dirty="0"/>
-              <a:t> </a:t>
-            </a:r>
-            <a:r>
-              <a:rPr lang="pt-PT" sz="1600" i="1" dirty="0" err="1"/>
-              <a:t>learning</a:t>
+              <a:t> e </a:t>
+            </a:r>
+            <a:r>
+              <a:rPr lang="pt-PT" sz="1600" b="1" dirty="0"/>
+              <a:t>KNN</a:t>
             </a:r>
             <a:r>
               <a:rPr lang="pt-PT" sz="1600" dirty="0"/>
-              <a:t> que consiste em formular uma função que mapeia um </a:t>
-            </a:r>
-            <a:r>
-              <a:rPr lang="pt-PT" sz="1600" i="1" dirty="0"/>
-              <a:t>output </a:t>
-            </a:r>
-            <a:r>
-              <a:rPr lang="pt-PT" sz="1600" dirty="0"/>
-              <a:t>para uma determinado </a:t>
-            </a:r>
-            <a:r>
-              <a:rPr lang="pt-PT" sz="1600" i="1" dirty="0"/>
-              <a:t>input,</a:t>
-            </a:r>
-            <a:r>
-              <a:rPr lang="pt-PT" sz="1600" dirty="0"/>
-              <a:t> com base em dados exemplo previamente rotulados. Assim, o modelo infere uma função de classificação a partir de um conjunto de dados de treino.</a:t>
-            </a:r>
-          </a:p>
-          <a:p>
-            <a:pPr algn="just">
-              <a:lnSpc>
-                <a:spcPct val="150000"/>
-              </a:lnSpc>
-              <a:spcBef>
-                <a:spcPts val="500"/>
-              </a:spcBef>
-            </a:pPr>
-            <a:endParaRPr lang="pt-PT" sz="1600" dirty="0"/>
-          </a:p>
-          <a:p>
-            <a:pPr algn="just">
-              <a:lnSpc>
-                <a:spcPct val="150000"/>
-              </a:lnSpc>
-              <a:spcBef>
-                <a:spcPts val="500"/>
-              </a:spcBef>
-            </a:pPr>
-            <a:r>
-              <a:rPr lang="pt-PT" sz="1600" dirty="0"/>
-              <a:t>Pretende-se portanto, através do </a:t>
-            </a:r>
-            <a:r>
-              <a:rPr lang="pt-PT" sz="1600" i="1" dirty="0"/>
-              <a:t>data set</a:t>
-            </a:r>
-            <a:r>
-              <a:rPr lang="pt-PT" sz="1600" dirty="0"/>
-              <a:t> fornecido, utilizar este tipo de </a:t>
-            </a:r>
-            <a:r>
-              <a:rPr lang="pt-PT" sz="1600" i="1" dirty="0" err="1"/>
-              <a:t>machine</a:t>
-            </a:r>
-            <a:r>
-              <a:rPr lang="pt-PT" sz="1600" i="1" dirty="0"/>
-              <a:t> </a:t>
-            </a:r>
-            <a:r>
-              <a:rPr lang="pt-PT" sz="1600" i="1" dirty="0" err="1"/>
-              <a:t>learning</a:t>
-            </a:r>
-            <a:r>
-              <a:rPr lang="pt-PT" sz="1600" i="1" dirty="0"/>
-              <a:t> </a:t>
-            </a:r>
-            <a:r>
-              <a:rPr lang="pt-PT" sz="1600" dirty="0"/>
-              <a:t>de modo a prever o risco associado a um empréstimo bancário. Com efeito, o objetivo será inferir se um cliente é capaz de pagar a sua dívida dentro de prazos previamente estabelecidos, com base num conjunto de parâmetros fornecidos. Alguns dos parâmetros relevantes para esta previsão são: quantidade de dinheiro associado a um empréstimo, a taxa de juros, o histórico do cliente, o salário do cliente, o valor de cada prestação, entre outros.</a:t>
-            </a:r>
-          </a:p>
-          <a:p>
-            <a:pPr algn="just">
-              <a:lnSpc>
-                <a:spcPct val="150000"/>
-              </a:lnSpc>
-              <a:spcBef>
-                <a:spcPts val="500"/>
-              </a:spcBef>
-            </a:pPr>
-            <a:endParaRPr lang="pt-PT" sz="1600" dirty="0"/>
-          </a:p>
-          <a:p>
-            <a:pPr algn="just">
-              <a:lnSpc>
-                <a:spcPct val="150000"/>
-              </a:lnSpc>
-              <a:spcBef>
-                <a:spcPts val="500"/>
-              </a:spcBef>
-            </a:pPr>
+              <a:t>. Contudo, esperávamos que o modelo Neural Networks fosse o melhor, dado o elevado número de dados que possuíamos e o facto de ser um algoritmo mais complexo comparativamente ao </a:t>
+            </a:r>
             <a:r>
               <a:rPr lang="pt-PT" sz="1600" b="1" dirty="0"/>
-              <a:t>Bibliotecas utilizadas</a:t>
-            </a:r>
-            <a:r>
-              <a:rPr lang="pt-PT" sz="1600" dirty="0"/>
-              <a:t>: pandas, </a:t>
-            </a:r>
-            <a:r>
-              <a:rPr lang="pt-PT" sz="1600" dirty="0" err="1"/>
-              <a:t>NumPy</a:t>
-            </a:r>
-            <a:r>
-              <a:rPr lang="pt-PT" sz="1600" dirty="0"/>
-              <a:t>, </a:t>
-            </a:r>
-            <a:r>
-              <a:rPr lang="pt-PT" sz="1600" dirty="0" err="1"/>
-              <a:t>matplotlib</a:t>
-            </a:r>
-            <a:r>
-              <a:rPr lang="pt-PT" sz="1600" dirty="0"/>
-              <a:t>, </a:t>
-            </a:r>
-            <a:r>
-              <a:rPr lang="pt-PT" sz="1600" dirty="0" err="1"/>
-              <a:t>plotly</a:t>
-            </a:r>
-            <a:r>
-              <a:rPr lang="pt-PT" sz="1600" dirty="0"/>
-              <a:t>, </a:t>
-            </a:r>
-            <a:r>
-              <a:rPr lang="pt-PT" sz="1600" dirty="0" err="1"/>
-              <a:t>seaborn</a:t>
-            </a:r>
-            <a:r>
-              <a:rPr lang="pt-PT" sz="1600" dirty="0"/>
-              <a:t>, </a:t>
-            </a:r>
-            <a:r>
-              <a:rPr lang="pt-PT" sz="1600" dirty="0" err="1"/>
-              <a:t>sklearn</a:t>
+              <a:t>SVM</a:t>
             </a:r>
             <a:r>
               <a:rPr lang="pt-PT" sz="1600" dirty="0"/>
@@ -4575,98 +4597,21 @@
             </a:r>
           </a:p>
           <a:p>
-            <a:pPr algn="just">
+            <a:pPr marL="800100" lvl="1" indent="-342900" algn="just">
               <a:lnSpc>
                 <a:spcPct val="150000"/>
               </a:lnSpc>
-              <a:spcBef>
-                <a:spcPts val="500"/>
-              </a:spcBef>
+              <a:buFont typeface="Arial" panose="020B0604020202020204" pitchFamily="34" charset="0"/>
+              <a:buChar char="•"/>
             </a:pPr>
-            <a:endParaRPr lang="pt-PT" sz="1600" dirty="0"/>
-          </a:p>
-          <a:p>
-            <a:pPr algn="just">
-              <a:lnSpc>
-                <a:spcPct val="160000"/>
-              </a:lnSpc>
-              <a:spcBef>
-                <a:spcPts val="500"/>
-              </a:spcBef>
-            </a:pPr>
-            <a:r>
-              <a:rPr lang="pt-PT" sz="1600" dirty="0"/>
-              <a:t>O </a:t>
-            </a:r>
-            <a:r>
-              <a:rPr lang="pt-PT" sz="1600" i="1" dirty="0" err="1"/>
-              <a:t>dataset</a:t>
-            </a:r>
-            <a:r>
-              <a:rPr lang="pt-PT" sz="1600" dirty="0"/>
-              <a:t> está disponível no </a:t>
-            </a:r>
-            <a:r>
-              <a:rPr lang="pt-PT" sz="1600" i="1" dirty="0" err="1">
-                <a:hlinkClick r:id="rId2"/>
-              </a:rPr>
-              <a:t>Kaggle</a:t>
-            </a:r>
-            <a:r>
-              <a:rPr lang="pt-PT" sz="1600" dirty="0"/>
-              <a:t> e o trabalho realizado está documentado num </a:t>
-            </a:r>
-            <a:r>
-              <a:rPr lang="pt-PT" sz="1600" i="1" dirty="0" err="1">
-                <a:hlinkClick r:id="rId3"/>
-              </a:rPr>
-              <a:t>Jupyter</a:t>
-            </a:r>
-            <a:r>
-              <a:rPr lang="pt-PT" sz="1600" i="1" dirty="0">
-                <a:hlinkClick r:id="rId3"/>
-              </a:rPr>
-              <a:t> Notebook</a:t>
-            </a:r>
-            <a:r>
-              <a:rPr lang="pt-PT" sz="1600" dirty="0"/>
-              <a:t>. O código também está presente num </a:t>
-            </a:r>
-            <a:r>
-              <a:rPr lang="pt-PT" sz="1600" dirty="0">
-                <a:hlinkClick r:id="rId4"/>
-              </a:rPr>
-              <a:t>repositório </a:t>
-            </a:r>
-            <a:r>
-              <a:rPr lang="pt-PT" sz="1600" i="1" dirty="0">
-                <a:hlinkClick r:id="rId4"/>
-              </a:rPr>
-              <a:t>GitHub</a:t>
-            </a:r>
-            <a:r>
-              <a:rPr lang="pt-PT" sz="1600" dirty="0"/>
-              <a:t>.</a:t>
-            </a:r>
-          </a:p>
-          <a:p>
-            <a:pPr algn="just"/>
-            <a:endParaRPr lang="pt-PT" u="sng" dirty="0"/>
-          </a:p>
-          <a:p>
-            <a:pPr algn="just"/>
-            <a:endParaRPr lang="pt-PT" dirty="0"/>
-          </a:p>
-          <a:p>
-            <a:pPr algn="just"/>
-            <a:endParaRPr lang="pt-PT" dirty="0"/>
+            <a:endParaRPr lang="pt-PT" sz="1600" i="1" dirty="0"/>
           </a:p>
         </p:txBody>
       </p:sp>
     </p:spTree>
     <p:extLst>
       <p:ext uri="{BB962C8B-B14F-4D97-AF65-F5344CB8AC3E}">
-        <p14:creationId xmlns:p14="http://schemas.microsoft.com/office/powerpoint/2010/main" val="1433308826"/>
+        <p14:creationId xmlns:p14="http://schemas.microsoft.com/office/powerpoint/2010/main" val="1750296155"/>
       </p:ext>
     </p:extLst>
   </p:cSld>
@@ -4676,7 +4621,7 @@
 </p:sld>
 </file>
 
-<file path=ppt/slides/slide3.xml><?xml version="1.0" encoding="utf-8"?>
+<file path=ppt/slides/slide11.xml><?xml version="1.0" encoding="utf-8"?>
 <p:sld xmlns:a="http://schemas.openxmlformats.org/drawingml/2006/main" xmlns:r="http://schemas.openxmlformats.org/officeDocument/2006/relationships" xmlns:p="http://schemas.openxmlformats.org/presentationml/2006/main">
   <p:cSld>
     <p:spTree>
@@ -4801,7 +4746,7 @@
             </a:r>
             <a:r>
               <a:rPr lang="pt-PT" b="1" dirty="0"/>
-              <a:t>2</a:t>
+              <a:t>11</a:t>
             </a:r>
             <a:endParaRPr lang="pt-PT" sz="1600" b="1" dirty="0"/>
           </a:p>
@@ -4823,7 +4768,7 @@
         </p:nvSpPr>
         <p:spPr>
           <a:xfrm>
-            <a:off x="838200" y="36058"/>
+            <a:off x="838200" y="251211"/>
             <a:ext cx="10515600" cy="1087788"/>
           </a:xfrm>
           <a:prstGeom prst="rect">
@@ -4855,8 +4800,8 @@
           </a:lstStyle>
           <a:p>
             <a:r>
-              <a:rPr lang="pt-PT" sz="4800" b="1" dirty="0"/>
-              <a:t>Algoritmos a Implementar</a:t>
+              <a:rPr lang="pt-PT" b="1" dirty="0"/>
+              <a:t>Fontes/Referências</a:t>
             </a:r>
           </a:p>
         </p:txBody>
@@ -4866,7 +4811,7 @@
           <p:cNvPr id="12" name="Marcador de Posição de Conteúdo 2">
             <a:extLst>
               <a:ext uri="{FF2B5EF4-FFF2-40B4-BE49-F238E27FC236}">
-                <a16:creationId xmlns:a16="http://schemas.microsoft.com/office/drawing/2014/main" id="{8F9FDCAA-50DC-4478-B334-9D55E2246449}"/>
+                <a16:creationId xmlns:a16="http://schemas.microsoft.com/office/drawing/2014/main" id="{B9E8C84B-E63E-4A46-A5F0-1A9290161BB1}"/>
               </a:ext>
             </a:extLst>
           </p:cNvPr>
@@ -4877,8 +4822,8 @@
         </p:nvSpPr>
         <p:spPr>
           <a:xfrm>
-            <a:off x="838200" y="1353671"/>
-            <a:ext cx="10515600" cy="4781754"/>
+            <a:off x="838200" y="1517301"/>
+            <a:ext cx="10515600" cy="4618124"/>
           </a:xfrm>
           <a:prstGeom prst="rect">
             <a:avLst/>
@@ -4886,7 +4831,7 @@
         </p:spPr>
         <p:txBody>
           <a:bodyPr vert="horz" lIns="91440" tIns="45720" rIns="91440" bIns="45720" rtlCol="0">
-            <a:normAutofit fontScale="70000" lnSpcReduction="20000"/>
+            <a:normAutofit/>
           </a:bodyPr>
           <a:lstStyle>
             <a:lvl1pPr marL="0" indent="0" algn="ctr" defTabSz="914400" rtl="0" eaLnBrk="1" latinLnBrk="0" hangingPunct="1">
@@ -5054,222 +4999,171 @@
           </a:lstStyle>
           <a:p>
             <a:pPr marL="342900" indent="-342900" algn="just">
-              <a:lnSpc>
-                <a:spcPct val="150000"/>
-              </a:lnSpc>
               <a:buFont typeface="Arial" panose="020B0604020202020204" pitchFamily="34" charset="0"/>
               <a:buChar char="•"/>
             </a:pPr>
             <a:r>
-              <a:rPr lang="pt-PT" sz="2600" i="1" dirty="0" err="1"/>
-              <a:t>Decision</a:t>
-            </a:r>
-            <a:r>
-              <a:rPr lang="pt-PT" sz="2600" i="1" dirty="0"/>
+              <a:rPr lang="pt-PT" sz="1800" dirty="0" err="1">
+                <a:hlinkClick r:id="rId2"/>
+              </a:rPr>
+              <a:t>Credit</a:t>
+            </a:r>
+            <a:r>
+              <a:rPr lang="pt-PT" sz="1800" dirty="0">
+                <a:hlinkClick r:id="rId2"/>
+              </a:rPr>
               <a:t> </a:t>
             </a:r>
             <a:r>
-              <a:rPr lang="pt-PT" sz="2600" i="1" dirty="0" err="1"/>
-              <a:t>Trees</a:t>
-            </a:r>
-            <a:endParaRPr lang="pt-PT" sz="2600" i="1" dirty="0"/>
-          </a:p>
-          <a:p>
-            <a:pPr marL="800100" lvl="1" indent="-342900" algn="just">
-              <a:lnSpc>
-                <a:spcPct val="150000"/>
-              </a:lnSpc>
+              <a:rPr lang="pt-PT" sz="1800" dirty="0" err="1">
+                <a:hlinkClick r:id="rId2"/>
+              </a:rPr>
+              <a:t>Risk</a:t>
+            </a:r>
+            <a:r>
+              <a:rPr lang="pt-PT" sz="1800" dirty="0">
+                <a:hlinkClick r:id="rId2"/>
+              </a:rPr>
+              <a:t> </a:t>
+            </a:r>
+            <a:r>
+              <a:rPr lang="pt-PT" sz="1800" dirty="0" err="1">
+                <a:hlinkClick r:id="rId2"/>
+              </a:rPr>
+              <a:t>Modeling</a:t>
+            </a:r>
+            <a:r>
+              <a:rPr lang="pt-PT" sz="1800" dirty="0">
+                <a:hlinkClick r:id="rId2"/>
+              </a:rPr>
+              <a:t> </a:t>
+            </a:r>
+            <a:r>
+              <a:rPr lang="pt-PT" sz="1800" dirty="0" err="1">
+                <a:hlinkClick r:id="rId2"/>
+              </a:rPr>
+              <a:t>with</a:t>
+            </a:r>
+            <a:r>
+              <a:rPr lang="pt-PT" sz="1800" dirty="0">
+                <a:hlinkClick r:id="rId2"/>
+              </a:rPr>
+              <a:t> </a:t>
+            </a:r>
+            <a:r>
+              <a:rPr lang="pt-PT" sz="1800" dirty="0" err="1">
+                <a:hlinkClick r:id="rId2"/>
+              </a:rPr>
+              <a:t>Machine</a:t>
+            </a:r>
+            <a:r>
+              <a:rPr lang="pt-PT" sz="1800" dirty="0">
+                <a:hlinkClick r:id="rId2"/>
+              </a:rPr>
+              <a:t> </a:t>
+            </a:r>
+            <a:r>
+              <a:rPr lang="pt-PT" sz="1800" dirty="0" err="1">
+                <a:hlinkClick r:id="rId2"/>
+              </a:rPr>
+              <a:t>Learning</a:t>
+            </a:r>
+            <a:endParaRPr lang="pt-PT" sz="1800" dirty="0"/>
+          </a:p>
+          <a:p>
+            <a:pPr marL="342900" indent="-342900" algn="just">
               <a:buFont typeface="Arial" panose="020B0604020202020204" pitchFamily="34" charset="0"/>
               <a:buChar char="•"/>
             </a:pPr>
             <a:r>
-              <a:rPr lang="pt-PT" dirty="0"/>
-              <a:t>Representação de uma tabela de decisão sob forma de árvore. Usa diagramas para mapear várias alternativas e respetivos resultados de decisões, assim como as probabilidades de ocorrerem. De modo a aumentar a precisão deste classificador, será usada uma</a:t>
-            </a:r>
-            <a:r>
-              <a:rPr lang="pt-PT" i="1" dirty="0"/>
+              <a:rPr lang="pt-PT" sz="1800" dirty="0" err="1">
+                <a:hlinkClick r:id="rId3"/>
+              </a:rPr>
+              <a:t>Credit</a:t>
+            </a:r>
+            <a:r>
+              <a:rPr lang="pt-PT" sz="1800" dirty="0">
+                <a:hlinkClick r:id="rId3"/>
+              </a:rPr>
               <a:t> </a:t>
             </a:r>
             <a:r>
-              <a:rPr lang="pt-PT" i="1" dirty="0" err="1"/>
-              <a:t>GridSearchCV</a:t>
-            </a:r>
-            <a:r>
-              <a:rPr lang="pt-PT" i="1" dirty="0"/>
+              <a:rPr lang="pt-PT" sz="1800" dirty="0" err="1">
+                <a:hlinkClick r:id="rId3"/>
+              </a:rPr>
+              <a:t>Risk</a:t>
+            </a:r>
+            <a:r>
+              <a:rPr lang="pt-PT" sz="1800" dirty="0">
+                <a:hlinkClick r:id="rId3"/>
+              </a:rPr>
               <a:t> </a:t>
             </a:r>
             <a:r>
-              <a:rPr lang="pt-PT" dirty="0"/>
-              <a:t>(10 </a:t>
-            </a:r>
-            <a:r>
-              <a:rPr lang="pt-PT" i="1" dirty="0" err="1"/>
-              <a:t>splits</a:t>
-            </a:r>
-            <a:r>
-              <a:rPr lang="pt-PT" dirty="0"/>
-              <a:t>).</a:t>
-            </a:r>
+              <a:rPr lang="pt-PT" sz="1800" dirty="0" err="1">
+                <a:hlinkClick r:id="rId3"/>
+              </a:rPr>
+              <a:t>Modelling</a:t>
+            </a:r>
+            <a:r>
+              <a:rPr lang="pt-PT" sz="1800" dirty="0">
+                <a:hlinkClick r:id="rId3"/>
+              </a:rPr>
+              <a:t> in </a:t>
+            </a:r>
+            <a:r>
+              <a:rPr lang="pt-PT" sz="1800" dirty="0" err="1">
+                <a:hlinkClick r:id="rId3"/>
+              </a:rPr>
+              <a:t>Python</a:t>
+            </a:r>
+            <a:endParaRPr lang="pt-PT" sz="1800" dirty="0"/>
           </a:p>
           <a:p>
             <a:pPr marL="342900" indent="-342900" algn="just">
-              <a:lnSpc>
-                <a:spcPct val="150000"/>
-              </a:lnSpc>
               <a:buFont typeface="Arial" panose="020B0604020202020204" pitchFamily="34" charset="0"/>
               <a:buChar char="•"/>
             </a:pPr>
             <a:r>
-              <a:rPr lang="pt-PT" sz="2600" i="1" dirty="0"/>
-              <a:t>K-</a:t>
-            </a:r>
-            <a:r>
-              <a:rPr lang="pt-PT" sz="2600" i="1" dirty="0" err="1"/>
-              <a:t>Nearest</a:t>
-            </a:r>
-            <a:r>
-              <a:rPr lang="pt-PT" sz="2600" i="1" dirty="0"/>
-              <a:t> </a:t>
-            </a:r>
-            <a:r>
-              <a:rPr lang="pt-PT" sz="2600" i="1" dirty="0" err="1"/>
-              <a:t>Neighbors</a:t>
-            </a:r>
-            <a:endParaRPr lang="pt-PT" sz="2600" i="1" dirty="0"/>
-          </a:p>
-          <a:p>
-            <a:pPr marL="800100" lvl="1" indent="-342900" algn="just">
-              <a:lnSpc>
-                <a:spcPct val="150000"/>
-              </a:lnSpc>
+              <a:rPr lang="en-US" sz="1800" dirty="0">
+                <a:hlinkClick r:id="rId4"/>
+              </a:rPr>
+              <a:t>A Machine Learning Approach To Credit Risk Assessment</a:t>
+            </a:r>
+            <a:endParaRPr lang="en-US" sz="1800" dirty="0"/>
+          </a:p>
+          <a:p>
+            <a:pPr marL="342900" indent="-342900" algn="just">
               <a:buFont typeface="Arial" panose="020B0604020202020204" pitchFamily="34" charset="0"/>
               <a:buChar char="•"/>
             </a:pPr>
             <a:r>
-              <a:rPr lang="pt-PT" dirty="0"/>
-              <a:t>Baseia-se nas amostras vizinhas advindas de um conjunto de treino para obter uma classificação, não necessitando de treino para que seja gerado um modelo. Para classificar este modelo será utilizado </a:t>
-            </a:r>
-            <a:r>
-              <a:rPr lang="pt-PT" i="1" dirty="0" err="1"/>
-              <a:t>KNeighborsClassifier</a:t>
-            </a:r>
-            <a:r>
-              <a:rPr lang="pt-PT" i="1" dirty="0"/>
-              <a:t> </a:t>
-            </a:r>
-            <a:r>
-              <a:rPr lang="pt-PT" dirty="0"/>
-              <a:t>relativo ao módulo </a:t>
-            </a:r>
-            <a:r>
-              <a:rPr lang="pt-PT" i="1" dirty="0" err="1"/>
-              <a:t>sklearn.neighbors</a:t>
-            </a:r>
-            <a:r>
-              <a:rPr lang="pt-PT" dirty="0"/>
-              <a:t>.</a:t>
-            </a:r>
+              <a:rPr lang="en-US" sz="1800" dirty="0">
+                <a:hlinkClick r:id="rId5"/>
+              </a:rPr>
+              <a:t>Credit Risk Analysis</a:t>
+            </a:r>
+            <a:endParaRPr lang="en-US" sz="1800" dirty="0"/>
           </a:p>
           <a:p>
             <a:pPr marL="342900" indent="-342900" algn="just">
-              <a:lnSpc>
-                <a:spcPct val="150000"/>
-              </a:lnSpc>
               <a:buFont typeface="Arial" panose="020B0604020202020204" pitchFamily="34" charset="0"/>
               <a:buChar char="•"/>
             </a:pPr>
             <a:r>
-              <a:rPr lang="pt-PT" sz="2600" i="1" dirty="0"/>
-              <a:t>Neural Networks</a:t>
-            </a:r>
-          </a:p>
-          <a:p>
-            <a:pPr marL="800100" lvl="1" indent="-342900" algn="just">
-              <a:lnSpc>
-                <a:spcPct val="150000"/>
-              </a:lnSpc>
+              <a:rPr lang="en-US" sz="1800" dirty="0">
+                <a:hlinkClick r:id="rId6"/>
+              </a:rPr>
+              <a:t>Credit Risk Modelling Case Study</a:t>
+            </a:r>
+            <a:endParaRPr lang="en-US" sz="1800" dirty="0"/>
+          </a:p>
+          <a:p>
+            <a:pPr marL="342900" indent="-342900" algn="just">
               <a:buFont typeface="Arial" panose="020B0604020202020204" pitchFamily="34" charset="0"/>
               <a:buChar char="•"/>
             </a:pPr>
-            <a:r>
-              <a:rPr lang="pt-PT" dirty="0"/>
-              <a:t>Este modelo será baseado na implementação do classificador </a:t>
-            </a:r>
-            <a:r>
-              <a:rPr lang="pt-PT" dirty="0" err="1"/>
-              <a:t>MLPClassifier</a:t>
-            </a:r>
-            <a:r>
-              <a:rPr lang="pt-PT" dirty="0"/>
-              <a:t> relativo ao módulo </a:t>
-            </a:r>
-            <a:r>
-              <a:rPr lang="pt-PT" i="1" dirty="0" err="1"/>
-              <a:t>sklearn.neural_network</a:t>
-            </a:r>
-            <a:r>
-              <a:rPr lang="pt-PT" dirty="0"/>
-              <a:t>.</a:t>
-            </a:r>
-          </a:p>
-          <a:p>
-            <a:pPr marL="342900" indent="-342900" algn="just">
-              <a:lnSpc>
-                <a:spcPct val="150000"/>
-              </a:lnSpc>
-              <a:buFont typeface="Arial" panose="020B0604020202020204" pitchFamily="34" charset="0"/>
-              <a:buChar char="•"/>
-            </a:pPr>
-            <a:r>
-              <a:rPr lang="pt-PT" sz="2600" i="1" dirty="0" err="1"/>
-              <a:t>Support</a:t>
-            </a:r>
-            <a:r>
-              <a:rPr lang="pt-PT" sz="2600" i="1" dirty="0"/>
-              <a:t> </a:t>
-            </a:r>
-            <a:r>
-              <a:rPr lang="pt-PT" sz="2600" i="1" dirty="0" err="1"/>
-              <a:t>Vector</a:t>
-            </a:r>
-            <a:r>
-              <a:rPr lang="pt-PT" sz="2600" i="1" dirty="0"/>
-              <a:t> </a:t>
-            </a:r>
-            <a:r>
-              <a:rPr lang="pt-PT" sz="2600" i="1" dirty="0" err="1"/>
-              <a:t>Machines</a:t>
-            </a:r>
-            <a:endParaRPr lang="pt-PT" sz="2600" i="1" dirty="0"/>
-          </a:p>
-          <a:p>
-            <a:pPr marL="800100" lvl="1" indent="-342900" algn="just">
-              <a:lnSpc>
-                <a:spcPct val="150000"/>
-              </a:lnSpc>
-              <a:buFont typeface="Arial" panose="020B0604020202020204" pitchFamily="34" charset="0"/>
-              <a:buChar char="•"/>
-            </a:pPr>
-            <a:r>
-              <a:rPr lang="pt-PT" dirty="0"/>
-              <a:t>Baseia-se em maximizar a separação entre dados de diferentes classes com vista a aumentar a precisão do classificador. Para tal, será utilizado </a:t>
-            </a:r>
-            <a:r>
-              <a:rPr lang="pt-PT" dirty="0" err="1"/>
-              <a:t>svm</a:t>
-            </a:r>
-            <a:r>
-              <a:rPr lang="pt-PT" dirty="0"/>
-              <a:t> do módulo </a:t>
-            </a:r>
-            <a:r>
-              <a:rPr lang="pt-PT" dirty="0" err="1"/>
-              <a:t>sklearn</a:t>
-            </a:r>
-            <a:r>
-              <a:rPr lang="pt-PT" dirty="0"/>
-              <a:t>.</a:t>
-            </a:r>
+            <a:endParaRPr lang="pt-PT" dirty="0"/>
           </a:p>
           <a:p>
             <a:pPr algn="just"/>
@@ -5284,7 +5178,7 @@
     </p:spTree>
     <p:extLst>
       <p:ext uri="{BB962C8B-B14F-4D97-AF65-F5344CB8AC3E}">
-        <p14:creationId xmlns:p14="http://schemas.microsoft.com/office/powerpoint/2010/main" val="560464402"/>
+        <p14:creationId xmlns:p14="http://schemas.microsoft.com/office/powerpoint/2010/main" val="243865436"/>
       </p:ext>
     </p:extLst>
   </p:cSld>
@@ -5294,7 +5188,7 @@
 </p:sld>
 </file>
 
-<file path=ppt/slides/slide4.xml><?xml version="1.0" encoding="utf-8"?>
+<file path=ppt/slides/slide2.xml><?xml version="1.0" encoding="utf-8"?>
 <p:sld xmlns:a="http://schemas.openxmlformats.org/drawingml/2006/main" xmlns:r="http://schemas.openxmlformats.org/officeDocument/2006/relationships" xmlns:p="http://schemas.openxmlformats.org/presentationml/2006/main">
   <p:cSld>
     <p:spTree>
@@ -5474,7 +5368,7 @@
           <a:p>
             <a:r>
               <a:rPr lang="pt-PT" sz="4800" b="1" dirty="0"/>
-              <a:t>Estado Atual de Implementação</a:t>
+              <a:t>Especificação do Trabalho</a:t>
             </a:r>
           </a:p>
         </p:txBody>
@@ -5495,8 +5389,8 @@
         </p:nvSpPr>
         <p:spPr>
           <a:xfrm>
-            <a:off x="838201" y="1353671"/>
-            <a:ext cx="5329518" cy="4781754"/>
+            <a:off x="838200" y="1353671"/>
+            <a:ext cx="10515600" cy="4781754"/>
           </a:xfrm>
           <a:prstGeom prst="rect">
             <a:avLst/>
@@ -5504,7 +5398,7 @@
         </p:spPr>
         <p:txBody>
           <a:bodyPr vert="horz" lIns="91440" tIns="45720" rIns="91440" bIns="45720" rtlCol="0">
-            <a:normAutofit/>
+            <a:normAutofit fontScale="92500" lnSpcReduction="20000"/>
           </a:bodyPr>
           <a:lstStyle>
             <a:lvl1pPr marL="0" indent="0" algn="ctr" defTabSz="914400" rtl="0" eaLnBrk="1" latinLnBrk="0" hangingPunct="1">
@@ -5671,109 +5565,282 @@
             </a:lvl9pPr>
           </a:lstStyle>
           <a:p>
-            <a:pPr marL="342900" indent="-342900" algn="just">
+            <a:pPr algn="just">
               <a:lnSpc>
                 <a:spcPct val="150000"/>
               </a:lnSpc>
-              <a:buFont typeface="Arial" panose="020B0604020202020204" pitchFamily="34" charset="0"/>
-              <a:buChar char="•"/>
+              <a:spcBef>
+                <a:spcPts val="500"/>
+              </a:spcBef>
             </a:pPr>
             <a:r>
-              <a:rPr lang="pt-PT" sz="1800" dirty="0"/>
-              <a:t>Pré-processamento dos dados</a:t>
-            </a:r>
-          </a:p>
-          <a:p>
-            <a:pPr marL="800100" lvl="1" indent="-342900" algn="just">
+              <a:rPr lang="pt-PT" sz="1600" b="1" dirty="0" err="1"/>
+              <a:t>Supervised</a:t>
+            </a:r>
+            <a:r>
+              <a:rPr lang="pt-PT" sz="1600" b="1" dirty="0"/>
+              <a:t> </a:t>
+            </a:r>
+            <a:r>
+              <a:rPr lang="pt-PT" sz="1600" b="1" dirty="0" err="1"/>
+              <a:t>Learning</a:t>
+            </a:r>
+            <a:r>
+              <a:rPr lang="pt-PT" sz="1600" b="1" dirty="0"/>
+              <a:t> </a:t>
+            </a:r>
+            <a:r>
+              <a:rPr lang="pt-PT" sz="1600" dirty="0"/>
+              <a:t> é um tipo de </a:t>
+            </a:r>
+            <a:r>
+              <a:rPr lang="pt-PT" sz="1600" i="1" dirty="0" err="1"/>
+              <a:t>machine</a:t>
+            </a:r>
+            <a:r>
+              <a:rPr lang="pt-PT" sz="1600" i="1" dirty="0"/>
+              <a:t> </a:t>
+            </a:r>
+            <a:r>
+              <a:rPr lang="pt-PT" sz="1600" i="1" dirty="0" err="1"/>
+              <a:t>learning</a:t>
+            </a:r>
+            <a:r>
+              <a:rPr lang="pt-PT" sz="1600" dirty="0"/>
+              <a:t> que consiste em formular uma função que mapeia um </a:t>
+            </a:r>
+            <a:r>
+              <a:rPr lang="pt-PT" sz="1600" i="1" dirty="0"/>
+              <a:t>output </a:t>
+            </a:r>
+            <a:r>
+              <a:rPr lang="pt-PT" sz="1600" dirty="0"/>
+              <a:t>para uma determinado </a:t>
+            </a:r>
+            <a:r>
+              <a:rPr lang="pt-PT" sz="1600" i="1" dirty="0"/>
+              <a:t>input,</a:t>
+            </a:r>
+            <a:r>
+              <a:rPr lang="pt-PT" sz="1600" dirty="0"/>
+              <a:t> com base em dados exemplo previamente rotulados. Assim, o modelo infere uma função de classificação a partir de um conjunto de dados de treino.</a:t>
+            </a:r>
+          </a:p>
+          <a:p>
+            <a:pPr algn="just">
               <a:lnSpc>
                 <a:spcPct val="150000"/>
               </a:lnSpc>
-              <a:buFont typeface="Arial" panose="020B0604020202020204" pitchFamily="34" charset="0"/>
-              <a:buChar char="•"/>
+              <a:spcBef>
+                <a:spcPts val="500"/>
+              </a:spcBef>
             </a:pPr>
+            <a:endParaRPr lang="pt-PT" sz="1600" dirty="0"/>
+          </a:p>
+          <a:p>
+            <a:pPr algn="just">
+              <a:lnSpc>
+                <a:spcPct val="150000"/>
+              </a:lnSpc>
+              <a:spcBef>
+                <a:spcPts val="500"/>
+              </a:spcBef>
+            </a:pPr>
             <a:r>
               <a:rPr lang="pt-PT" sz="1600" dirty="0"/>
-              <a:t>Foi feito uma seleção prévia das colunas pertinentes: começámos por remover as colunas com valores pouco relevantes para a previsão, como </a:t>
+              <a:t>Pretende-se portanto, através do </a:t>
             </a:r>
             <a:r>
               <a:rPr lang="pt-PT" sz="1600" i="1" dirty="0"/>
-              <a:t>ids</a:t>
+              <a:t>data set</a:t>
             </a:r>
             <a:r>
               <a:rPr lang="pt-PT" sz="1600" dirty="0"/>
-              <a:t>, nomes e descrições simples sobre a finalidade dos empréstimos, bem como colunas com a maioria dos valores nulos.</a:t>
-            </a:r>
-          </a:p>
-          <a:p>
-            <a:pPr marL="800100" lvl="1" indent="-342900" algn="just">
+              <a:t> fornecido, utilizar este tipo de </a:t>
+            </a:r>
+            <a:r>
+              <a:rPr lang="pt-PT" sz="1600" i="1" dirty="0" err="1"/>
+              <a:t>machine</a:t>
+            </a:r>
+            <a:r>
+              <a:rPr lang="pt-PT" sz="1600" i="1" dirty="0"/>
+              <a:t> </a:t>
+            </a:r>
+            <a:r>
+              <a:rPr lang="pt-PT" sz="1600" i="1" dirty="0" err="1"/>
+              <a:t>learning</a:t>
+            </a:r>
+            <a:r>
+              <a:rPr lang="pt-PT" sz="1600" i="1" dirty="0"/>
+              <a:t> </a:t>
+            </a:r>
+            <a:r>
+              <a:rPr lang="pt-PT" sz="1600" dirty="0"/>
+              <a:t>de modo a prever o risco associado a um empréstimo bancário. Com efeito, o objetivo será inferir se um cliente é capaz de pagar a sua dívida dentro de prazos previamente estabelecidos, com base num conjunto de parâmetros fornecidos. Alguns dos parâmetros relevantes para esta previsão são: quantidade de dinheiro associado a um empréstimo, a taxa de juros, o histórico do cliente, o salário do cliente, o valor de cada prestação, entre outros.</a:t>
+            </a:r>
+          </a:p>
+          <a:p>
+            <a:pPr algn="just">
               <a:lnSpc>
                 <a:spcPct val="150000"/>
               </a:lnSpc>
-              <a:buFont typeface="Arial" panose="020B0604020202020204" pitchFamily="34" charset="0"/>
-              <a:buChar char="•"/>
+              <a:spcBef>
+                <a:spcPts val="500"/>
+              </a:spcBef>
             </a:pPr>
+            <a:endParaRPr lang="pt-PT" sz="1600" dirty="0"/>
+          </a:p>
+          <a:p>
+            <a:pPr algn="just">
+              <a:lnSpc>
+                <a:spcPct val="150000"/>
+              </a:lnSpc>
+              <a:spcBef>
+                <a:spcPts val="500"/>
+              </a:spcBef>
+            </a:pPr>
+            <a:r>
+              <a:rPr lang="pt-PT" sz="1600" b="1" dirty="0"/>
+              <a:t>Bibliotecas utilizadas</a:t>
+            </a:r>
             <a:r>
               <a:rPr lang="pt-PT" sz="1600" dirty="0"/>
-              <a:t>Para além disso, gerou-se uma matriz de correlação de modo a remover colunas com informação repetida.</a:t>
-            </a:r>
-          </a:p>
-          <a:p>
-            <a:pPr marL="800100" lvl="1" indent="-342900" algn="just">
-              <a:lnSpc>
-                <a:spcPct val="150000"/>
-              </a:lnSpc>
-              <a:buFont typeface="Arial" panose="020B0604020202020204" pitchFamily="34" charset="0"/>
-              <a:buChar char="•"/>
-            </a:pPr>
+              <a:t>: pandas, </a:t>
+            </a:r>
+            <a:r>
+              <a:rPr lang="pt-PT" sz="1600" dirty="0" err="1"/>
+              <a:t>NumPy</a:t>
+            </a:r>
             <a:r>
               <a:rPr lang="pt-PT" sz="1600" dirty="0"/>
-              <a:t>Ainda não foi feito o processamento de </a:t>
-            </a:r>
-            <a:r>
-              <a:rPr lang="pt-PT" sz="1600" i="1" dirty="0" err="1"/>
-              <a:t>outliers</a:t>
+              <a:t>, </a:t>
+            </a:r>
+            <a:r>
+              <a:rPr lang="pt-PT" sz="1600" dirty="0" err="1"/>
+              <a:t>matplotlib</a:t>
+            </a:r>
+            <a:r>
+              <a:rPr lang="pt-PT" sz="1600" dirty="0"/>
+              <a:t>, </a:t>
+            </a:r>
+            <a:r>
+              <a:rPr lang="pt-PT" sz="1600" dirty="0" err="1"/>
+              <a:t>plotly</a:t>
+            </a:r>
+            <a:r>
+              <a:rPr lang="pt-PT" sz="1600" dirty="0"/>
+              <a:t>, </a:t>
+            </a:r>
+            <a:r>
+              <a:rPr lang="pt-PT" sz="1600" dirty="0" err="1"/>
+              <a:t>seaborn</a:t>
+            </a:r>
+            <a:r>
+              <a:rPr lang="pt-PT" sz="1600" dirty="0"/>
+              <a:t>, </a:t>
+            </a:r>
+            <a:r>
+              <a:rPr lang="pt-PT" sz="1600" dirty="0" err="1"/>
+              <a:t>sklearn</a:t>
             </a:r>
             <a:r>
               <a:rPr lang="pt-PT" sz="1600" dirty="0"/>
               <a:t>.</a:t>
             </a:r>
           </a:p>
-        </p:txBody>
-      </p:sp>
-      <p:pic>
-        <p:nvPicPr>
-          <p:cNvPr id="8" name="Imagem 7">
-            <a:extLst>
-              <a:ext uri="{FF2B5EF4-FFF2-40B4-BE49-F238E27FC236}">
-                <a16:creationId xmlns:a16="http://schemas.microsoft.com/office/drawing/2014/main" id="{EA8DFB74-606A-4E5F-B606-C6CB12567E78}"/>
-              </a:ext>
-            </a:extLst>
-          </p:cNvPr>
-          <p:cNvPicPr>
-            <a:picLocks noChangeAspect="1"/>
-          </p:cNvPicPr>
-          <p:nvPr/>
-        </p:nvPicPr>
-        <p:blipFill>
-          <a:blip r:embed="rId2"/>
-          <a:stretch>
-            <a:fillRect/>
-          </a:stretch>
-        </p:blipFill>
-        <p:spPr>
-          <a:xfrm>
-            <a:off x="6692201" y="1712975"/>
-            <a:ext cx="4556538" cy="3984521"/>
-          </a:xfrm>
-          <a:prstGeom prst="rect">
-            <a:avLst/>
-          </a:prstGeom>
-        </p:spPr>
-      </p:pic>
+          <a:p>
+            <a:pPr algn="just">
+              <a:lnSpc>
+                <a:spcPct val="150000"/>
+              </a:lnSpc>
+              <a:spcBef>
+                <a:spcPts val="500"/>
+              </a:spcBef>
+            </a:pPr>
+            <a:endParaRPr lang="pt-PT" sz="1600" dirty="0"/>
+          </a:p>
+          <a:p>
+            <a:pPr algn="just">
+              <a:lnSpc>
+                <a:spcPct val="160000"/>
+              </a:lnSpc>
+              <a:spcBef>
+                <a:spcPts val="500"/>
+              </a:spcBef>
+            </a:pPr>
+            <a:r>
+              <a:rPr lang="pt-PT" sz="1600" dirty="0"/>
+              <a:t>O </a:t>
+            </a:r>
+            <a:r>
+              <a:rPr lang="pt-PT" sz="1600" i="1" dirty="0" err="1"/>
+              <a:t>dataset</a:t>
+            </a:r>
+            <a:r>
+              <a:rPr lang="pt-PT" sz="1600" dirty="0"/>
+              <a:t> está disponível no </a:t>
+            </a:r>
+            <a:r>
+              <a:rPr lang="pt-PT" sz="1600" i="1" dirty="0" err="1">
+                <a:hlinkClick r:id="rId2"/>
+              </a:rPr>
+              <a:t>Kaggle</a:t>
+            </a:r>
+            <a:r>
+              <a:rPr lang="pt-PT" sz="1600" dirty="0"/>
+              <a:t> e o trabalho realizado está documentado num </a:t>
+            </a:r>
+            <a:r>
+              <a:rPr lang="pt-PT" sz="1600" i="1" dirty="0" err="1">
+                <a:hlinkClick r:id="rId3"/>
+              </a:rPr>
+              <a:t>Jupyter</a:t>
+            </a:r>
+            <a:r>
+              <a:rPr lang="pt-PT" sz="1600" i="1" dirty="0">
+                <a:hlinkClick r:id="rId3"/>
+              </a:rPr>
+              <a:t> Notebook</a:t>
+            </a:r>
+            <a:r>
+              <a:rPr lang="pt-PT" sz="1600" dirty="0"/>
+              <a:t>. O código também está presente num </a:t>
+            </a:r>
+            <a:r>
+              <a:rPr lang="pt-PT" sz="1600" dirty="0">
+                <a:hlinkClick r:id="rId4"/>
+              </a:rPr>
+              <a:t>repositório </a:t>
+            </a:r>
+            <a:r>
+              <a:rPr lang="pt-PT" sz="1600" i="1" dirty="0">
+                <a:hlinkClick r:id="rId4"/>
+              </a:rPr>
+              <a:t>GitHub</a:t>
+            </a:r>
+            <a:r>
+              <a:rPr lang="pt-PT" sz="1600" dirty="0"/>
+              <a:t>.</a:t>
+            </a:r>
+          </a:p>
+          <a:p>
+            <a:pPr algn="just"/>
+            <a:endParaRPr lang="pt-PT" u="sng" dirty="0"/>
+          </a:p>
+          <a:p>
+            <a:pPr algn="just"/>
+            <a:endParaRPr lang="pt-PT" dirty="0"/>
+          </a:p>
+          <a:p>
+            <a:pPr algn="just"/>
+            <a:endParaRPr lang="pt-PT" dirty="0"/>
+          </a:p>
+        </p:txBody>
+      </p:sp>
     </p:spTree>
     <p:extLst>
       <p:ext uri="{BB962C8B-B14F-4D97-AF65-F5344CB8AC3E}">
-        <p14:creationId xmlns:p14="http://schemas.microsoft.com/office/powerpoint/2010/main" val="2998459820"/>
+        <p14:creationId xmlns:p14="http://schemas.microsoft.com/office/powerpoint/2010/main" val="1433308826"/>
       </p:ext>
     </p:extLst>
   </p:cSld>
@@ -5783,7 +5850,7 @@
 </p:sld>
 </file>
 
-<file path=ppt/slides/slide5.xml><?xml version="1.0" encoding="utf-8"?>
+<file path=ppt/slides/slide3.xml><?xml version="1.0" encoding="utf-8"?>
 <p:sld xmlns:a="http://schemas.openxmlformats.org/drawingml/2006/main" xmlns:r="http://schemas.openxmlformats.org/officeDocument/2006/relationships" xmlns:p="http://schemas.openxmlformats.org/presentationml/2006/main">
   <p:cSld>
     <p:spTree>
@@ -5908,7 +5975,7 @@
             </a:r>
             <a:r>
               <a:rPr lang="pt-PT" b="1" dirty="0"/>
-              <a:t>2</a:t>
+              <a:t>3</a:t>
             </a:r>
             <a:endParaRPr lang="pt-PT" sz="1600" b="1" dirty="0"/>
           </a:p>
@@ -5939,7 +6006,7 @@
         </p:spPr>
         <p:txBody>
           <a:bodyPr vert="horz" lIns="91440" tIns="45720" rIns="91440" bIns="45720" rtlCol="0" anchor="b">
-            <a:normAutofit/>
+            <a:normAutofit fontScale="92500"/>
           </a:bodyPr>
           <a:lstStyle>
             <a:lvl1pPr algn="ctr" defTabSz="914400" rtl="0" eaLnBrk="1" latinLnBrk="0" hangingPunct="1">
@@ -5963,7 +6030,15 @@
           <a:p>
             <a:r>
               <a:rPr lang="pt-PT" sz="4800" b="1" dirty="0"/>
-              <a:t>Estado Atual de Implementação</a:t>
+              <a:t>Estado Atual de Implementação (</a:t>
+            </a:r>
+            <a:r>
+              <a:rPr lang="pt-PT" sz="4800" b="1" dirty="0" err="1"/>
+              <a:t>Chekpoint</a:t>
+            </a:r>
+            <a:r>
+              <a:rPr lang="pt-PT" sz="4800" b="1" dirty="0"/>
+              <a:t>)</a:t>
             </a:r>
           </a:p>
         </p:txBody>
@@ -5985,7 +6060,7 @@
         <p:spPr>
           <a:xfrm>
             <a:off x="838201" y="1353671"/>
-            <a:ext cx="5932054" cy="4781754"/>
+            <a:ext cx="5329518" cy="4781754"/>
           </a:xfrm>
           <a:prstGeom prst="rect">
             <a:avLst/>
@@ -5993,7 +6068,7 @@
         </p:spPr>
         <p:txBody>
           <a:bodyPr vert="horz" lIns="91440" tIns="45720" rIns="91440" bIns="45720" rtlCol="0">
-            <a:normAutofit/>
+            <a:normAutofit fontScale="85000" lnSpcReduction="20000"/>
           </a:bodyPr>
           <a:lstStyle>
             <a:lvl1pPr marL="0" indent="0" algn="ctr" defTabSz="914400" rtl="0" eaLnBrk="1" latinLnBrk="0" hangingPunct="1">
@@ -6169,21 +6244,8 @@
             </a:pPr>
             <a:r>
               <a:rPr lang="pt-PT" sz="1800" dirty="0"/>
-              <a:t>Implementação de </a:t>
-            </a:r>
-            <a:r>
-              <a:rPr lang="pt-PT" sz="1800" i="1" dirty="0" err="1"/>
-              <a:t>Decision</a:t>
-            </a:r>
-            <a:r>
-              <a:rPr lang="pt-PT" sz="1800" i="1" dirty="0"/>
-              <a:t> </a:t>
-            </a:r>
-            <a:r>
-              <a:rPr lang="pt-PT" sz="1800" i="1" dirty="0" err="1"/>
-              <a:t>Trees</a:t>
-            </a:r>
-            <a:endParaRPr lang="pt-PT" sz="1800" dirty="0"/>
+              <a:t>Pré-processamento dos dados</a:t>
+            </a:r>
           </a:p>
           <a:p>
             <a:pPr marL="800100" lvl="1" indent="-342900" algn="just">
@@ -6195,31 +6257,15 @@
             </a:pPr>
             <a:r>
               <a:rPr lang="pt-PT" sz="1600" dirty="0"/>
-              <a:t>Foram utilizados como </a:t>
-            </a:r>
-            <a:r>
-              <a:rPr lang="pt-PT" sz="1600" dirty="0" err="1"/>
-              <a:t>hiperparâmetros</a:t>
+              <a:t>Foi feito uma seleção prévia das colunas pertinentes: começámos por remover as colunas com valores pouco relevantes para a previsão, como </a:t>
+            </a:r>
+            <a:r>
+              <a:rPr lang="pt-PT" sz="1600" i="1" dirty="0"/>
+              <a:t>ids</a:t>
             </a:r>
             <a:r>
               <a:rPr lang="pt-PT" sz="1600" dirty="0"/>
-              <a:t> o número de </a:t>
-            </a:r>
-            <a:r>
-              <a:rPr lang="pt-PT" sz="1600" i="1" dirty="0" err="1"/>
-              <a:t>features</a:t>
-            </a:r>
-            <a:r>
-              <a:rPr lang="pt-PT" sz="1600" dirty="0"/>
-              <a:t>, profundidade </a:t>
-            </a:r>
-            <a:r>
-              <a:rPr lang="pt-PT" sz="1600" dirty="0" err="1"/>
-              <a:t>analizada</a:t>
-            </a:r>
-            <a:r>
-              <a:rPr lang="pt-PT" sz="1600" dirty="0"/>
-              <a:t> e critério de divisão. O resultado em termos de precisão foi de cerca de 98%.</a:t>
+              <a:t>, nomes e descrições simples sobre a finalidade dos empréstimos, bem como colunas com a maioria dos valores nulos.</a:t>
             </a:r>
           </a:p>
           <a:p>
@@ -6232,27 +6278,7 @@
             </a:pPr>
             <a:r>
               <a:rPr lang="pt-PT" sz="1600" dirty="0"/>
-              <a:t>Como referido anteriormente, foi utilizada uma </a:t>
-            </a:r>
-            <a:r>
-              <a:rPr lang="pt-PT" sz="1600" i="1" dirty="0" err="1"/>
-              <a:t>GridSearchCv</a:t>
-            </a:r>
-            <a:r>
-              <a:rPr lang="pt-PT" sz="1600" i="1" dirty="0"/>
-              <a:t> </a:t>
-            </a:r>
-            <a:r>
-              <a:rPr lang="pt-PT" sz="1600" dirty="0"/>
-              <a:t>com 10 </a:t>
-            </a:r>
-            <a:r>
-              <a:rPr lang="pt-PT" sz="1600" i="1" dirty="0" err="1"/>
-              <a:t>splits</a:t>
-            </a:r>
-            <a:r>
-              <a:rPr lang="pt-PT" sz="1600" dirty="0"/>
-              <a:t>.</a:t>
+              <a:t>Converteram-se valores categóricos para numéricos.</a:t>
             </a:r>
           </a:p>
           <a:p>
@@ -6265,18 +6291,141 @@
             </a:pPr>
             <a:r>
               <a:rPr lang="pt-PT" sz="1600" dirty="0"/>
-              <a:t>A representação da árvore de decisão encontra-se em anexo.</a:t>
-            </a:r>
-            <a:endParaRPr lang="pt-PT" sz="1800" dirty="0"/>
+              <a:t>Gerou-se uma matriz de correlação de modo a remover colunas com informação repetida.</a:t>
+            </a:r>
+          </a:p>
+          <a:p>
+            <a:pPr marL="800100" lvl="1" indent="-342900" algn="just">
+              <a:lnSpc>
+                <a:spcPct val="150000"/>
+              </a:lnSpc>
+              <a:buFont typeface="Arial" panose="020B0604020202020204" pitchFamily="34" charset="0"/>
+              <a:buChar char="•"/>
+            </a:pPr>
+            <a:r>
+              <a:rPr lang="pt-PT" sz="1600" dirty="0"/>
+              <a:t>A nível de </a:t>
+            </a:r>
+            <a:r>
+              <a:rPr lang="pt-PT" sz="1600" i="1" dirty="0" err="1"/>
+              <a:t>outliers</a:t>
+            </a:r>
+            <a:r>
+              <a:rPr lang="pt-PT" sz="1600" dirty="0"/>
+              <a:t>, verificámos que a maioria dos </a:t>
+            </a:r>
+            <a:r>
+              <a:rPr lang="pt-PT" sz="1600" i="1" dirty="0" err="1"/>
+              <a:t>loanees</a:t>
+            </a:r>
+            <a:r>
+              <a:rPr lang="pt-PT" sz="1600" dirty="0"/>
+              <a:t> tinha </a:t>
+            </a:r>
+            <a:r>
+              <a:rPr lang="pt-PT" sz="1600" i="1" dirty="0" err="1"/>
+              <a:t>annual</a:t>
+            </a:r>
+            <a:r>
+              <a:rPr lang="pt-PT" sz="1600" i="1" dirty="0"/>
+              <a:t> </a:t>
+            </a:r>
+            <a:r>
+              <a:rPr lang="pt-PT" sz="1600" i="1" dirty="0" err="1"/>
+              <a:t>income</a:t>
+            </a:r>
+            <a:r>
+              <a:rPr lang="pt-PT" sz="1600" dirty="0"/>
+              <a:t> de 2M ou menos, contudo havia um caso em que um </a:t>
+            </a:r>
+            <a:r>
+              <a:rPr lang="pt-PT" sz="1600" i="1" dirty="0" err="1"/>
+              <a:t>loanee</a:t>
+            </a:r>
+            <a:r>
+              <a:rPr lang="pt-PT" sz="1600" dirty="0"/>
+              <a:t> possuía um </a:t>
+            </a:r>
+            <a:r>
+              <a:rPr lang="pt-PT" sz="1600" i="1" dirty="0" err="1"/>
+              <a:t>annual</a:t>
+            </a:r>
+            <a:r>
+              <a:rPr lang="pt-PT" sz="1600" i="1" dirty="0"/>
+              <a:t> </a:t>
+            </a:r>
+            <a:r>
+              <a:rPr lang="pt-PT" sz="1600" i="1" dirty="0" err="1"/>
+              <a:t>income</a:t>
+            </a:r>
+            <a:r>
+              <a:rPr lang="pt-PT" sz="1600" dirty="0"/>
+              <a:t> de 4M. Foram considerados apenas </a:t>
+            </a:r>
+            <a:r>
+              <a:rPr lang="pt-PT" sz="1600" i="1" dirty="0" err="1"/>
+              <a:t>annual</a:t>
+            </a:r>
+            <a:r>
+              <a:rPr lang="pt-PT" sz="1600" i="1" dirty="0"/>
+              <a:t> </a:t>
+            </a:r>
+            <a:r>
+              <a:rPr lang="pt-PT" sz="1600" i="1" dirty="0" err="1"/>
+              <a:t>income</a:t>
+            </a:r>
+            <a:r>
+              <a:rPr lang="pt-PT" sz="1600" dirty="0"/>
+              <a:t> &lt;= 2M.</a:t>
+            </a:r>
+          </a:p>
+          <a:p>
+            <a:pPr marL="800100" lvl="1" indent="-342900" algn="just">
+              <a:lnSpc>
+                <a:spcPct val="150000"/>
+              </a:lnSpc>
+              <a:buFont typeface="Arial" panose="020B0604020202020204" pitchFamily="34" charset="0"/>
+              <a:buChar char="•"/>
+            </a:pPr>
+            <a:r>
+              <a:rPr lang="pt-PT" sz="1600" dirty="0"/>
+              <a:t>Os dados não eram balanceados, e para tal recorreu-se ao </a:t>
+            </a:r>
+            <a:r>
+              <a:rPr lang="pt-PT" sz="1600" i="1" dirty="0" err="1"/>
+              <a:t>undersampling</a:t>
+            </a:r>
+            <a:r>
+              <a:rPr lang="pt-PT" sz="1600" dirty="0"/>
+              <a:t> para linhas com valores de </a:t>
+            </a:r>
+            <a:r>
+              <a:rPr lang="pt-PT" sz="1600" i="1" dirty="0" err="1"/>
+              <a:t>default_ind</a:t>
+            </a:r>
+            <a:r>
+              <a:rPr lang="pt-PT" sz="1600" dirty="0"/>
+              <a:t> a 0.</a:t>
+            </a:r>
+          </a:p>
+          <a:p>
+            <a:pPr marL="800100" lvl="1" indent="-342900" algn="just">
+              <a:lnSpc>
+                <a:spcPct val="150000"/>
+              </a:lnSpc>
+              <a:buFont typeface="Arial" panose="020B0604020202020204" pitchFamily="34" charset="0"/>
+              <a:buChar char="•"/>
+            </a:pPr>
+            <a:endParaRPr lang="pt-PT" sz="1600" i="1" dirty="0"/>
           </a:p>
         </p:txBody>
       </p:sp>
       <p:pic>
         <p:nvPicPr>
-          <p:cNvPr id="5" name="Imagem 4">
-            <a:extLst>
-              <a:ext uri="{FF2B5EF4-FFF2-40B4-BE49-F238E27FC236}">
-                <a16:creationId xmlns:a16="http://schemas.microsoft.com/office/drawing/2014/main" id="{3412AD75-E530-4802-BA47-C9F11FF0CBA6}"/>
+          <p:cNvPr id="8" name="Imagem 7">
+            <a:extLst>
+              <a:ext uri="{FF2B5EF4-FFF2-40B4-BE49-F238E27FC236}">
+                <a16:creationId xmlns:a16="http://schemas.microsoft.com/office/drawing/2014/main" id="{EA8DFB74-606A-4E5F-B606-C6CB12567E78}"/>
               </a:ext>
             </a:extLst>
           </p:cNvPr>
@@ -6293,8 +6442,38 @@
         </p:blipFill>
         <p:spPr>
           <a:xfrm>
-            <a:off x="7298094" y="1994856"/>
-            <a:ext cx="4288299" cy="3043309"/>
+            <a:off x="7337660" y="1274080"/>
+            <a:ext cx="3581352" cy="3131758"/>
+          </a:xfrm>
+          <a:prstGeom prst="rect">
+            <a:avLst/>
+          </a:prstGeom>
+        </p:spPr>
+      </p:pic>
+      <p:pic>
+        <p:nvPicPr>
+          <p:cNvPr id="3" name="Imagem 2">
+            <a:extLst>
+              <a:ext uri="{FF2B5EF4-FFF2-40B4-BE49-F238E27FC236}">
+                <a16:creationId xmlns:a16="http://schemas.microsoft.com/office/drawing/2014/main" id="{1D6E64A3-7D37-405B-BAC3-6D2F7F1CF5DC}"/>
+              </a:ext>
+            </a:extLst>
+          </p:cNvPr>
+          <p:cNvPicPr>
+            <a:picLocks noChangeAspect="1"/>
+          </p:cNvPicPr>
+          <p:nvPr/>
+        </p:nvPicPr>
+        <p:blipFill>
+          <a:blip r:embed="rId3"/>
+          <a:stretch>
+            <a:fillRect/>
+          </a:stretch>
+        </p:blipFill>
+        <p:spPr>
+          <a:xfrm>
+            <a:off x="7702709" y="4434250"/>
+            <a:ext cx="2983223" cy="1858218"/>
           </a:xfrm>
           <a:prstGeom prst="rect">
             <a:avLst/>
@@ -6304,7 +6483,7 @@
     </p:spTree>
     <p:extLst>
       <p:ext uri="{BB962C8B-B14F-4D97-AF65-F5344CB8AC3E}">
-        <p14:creationId xmlns:p14="http://schemas.microsoft.com/office/powerpoint/2010/main" val="839858880"/>
+        <p14:creationId xmlns:p14="http://schemas.microsoft.com/office/powerpoint/2010/main" val="2998459820"/>
       </p:ext>
     </p:extLst>
   </p:cSld>
@@ -6314,7 +6493,7 @@
 </p:sld>
 </file>
 
-<file path=ppt/slides/slide6.xml><?xml version="1.0" encoding="utf-8"?>
+<file path=ppt/slides/slide4.xml><?xml version="1.0" encoding="utf-8"?>
 <p:sld xmlns:a="http://schemas.openxmlformats.org/drawingml/2006/main" xmlns:r="http://schemas.openxmlformats.org/officeDocument/2006/relationships" xmlns:p="http://schemas.openxmlformats.org/presentationml/2006/main">
   <p:cSld>
     <p:spTree>
@@ -6439,7 +6618,7 @@
             </a:r>
             <a:r>
               <a:rPr lang="pt-PT" b="1" dirty="0"/>
-              <a:t>3</a:t>
+              <a:t>4</a:t>
             </a:r>
             <a:endParaRPr lang="pt-PT" sz="1600" b="1" dirty="0"/>
           </a:p>
@@ -6461,7 +6640,7 @@
         </p:nvSpPr>
         <p:spPr>
           <a:xfrm>
-            <a:off x="838200" y="251211"/>
+            <a:off x="838200" y="36058"/>
             <a:ext cx="10515600" cy="1087788"/>
           </a:xfrm>
           <a:prstGeom prst="rect">
@@ -6493,8 +6672,8 @@
           </a:lstStyle>
           <a:p>
             <a:r>
-              <a:rPr lang="pt-PT" b="1" dirty="0"/>
-              <a:t>Fontes/Referências</a:t>
+              <a:rPr lang="pt-PT" sz="4800" b="1" dirty="0"/>
+              <a:t>Algoritmos a Implementar</a:t>
             </a:r>
           </a:p>
         </p:txBody>
@@ -6504,7 +6683,7 @@
           <p:cNvPr id="12" name="Marcador de Posição de Conteúdo 2">
             <a:extLst>
               <a:ext uri="{FF2B5EF4-FFF2-40B4-BE49-F238E27FC236}">
-                <a16:creationId xmlns:a16="http://schemas.microsoft.com/office/drawing/2014/main" id="{B9E8C84B-E63E-4A46-A5F0-1A9290161BB1}"/>
+                <a16:creationId xmlns:a16="http://schemas.microsoft.com/office/drawing/2014/main" id="{8F9FDCAA-50DC-4478-B334-9D55E2246449}"/>
               </a:ext>
             </a:extLst>
           </p:cNvPr>
@@ -6515,8 +6694,8 @@
         </p:nvSpPr>
         <p:spPr>
           <a:xfrm>
-            <a:off x="838200" y="1517301"/>
-            <a:ext cx="10515600" cy="4618124"/>
+            <a:off x="838200" y="1353671"/>
+            <a:ext cx="10515600" cy="4781754"/>
           </a:xfrm>
           <a:prstGeom prst="rect">
             <a:avLst/>
@@ -6524,7 +6703,7 @@
         </p:spPr>
         <p:txBody>
           <a:bodyPr vert="horz" lIns="91440" tIns="45720" rIns="91440" bIns="45720" rtlCol="0">
-            <a:normAutofit/>
+            <a:normAutofit fontScale="70000" lnSpcReduction="20000"/>
           </a:bodyPr>
           <a:lstStyle>
             <a:lvl1pPr marL="0" indent="0" algn="ctr" defTabSz="914400" rtl="0" eaLnBrk="1" latinLnBrk="0" hangingPunct="1">
@@ -6692,171 +6871,222 @@
           </a:lstStyle>
           <a:p>
             <a:pPr marL="342900" indent="-342900" algn="just">
+              <a:lnSpc>
+                <a:spcPct val="150000"/>
+              </a:lnSpc>
               <a:buFont typeface="Arial" panose="020B0604020202020204" pitchFamily="34" charset="0"/>
               <a:buChar char="•"/>
             </a:pPr>
             <a:r>
-              <a:rPr lang="pt-PT" sz="1800" dirty="0" err="1">
-                <a:hlinkClick r:id="rId2"/>
-              </a:rPr>
-              <a:t>Credit</a:t>
-            </a:r>
-            <a:r>
-              <a:rPr lang="pt-PT" sz="1800" dirty="0">
-                <a:hlinkClick r:id="rId2"/>
-              </a:rPr>
+              <a:rPr lang="pt-PT" sz="2600" i="1" dirty="0" err="1"/>
+              <a:t>Decision</a:t>
+            </a:r>
+            <a:r>
+              <a:rPr lang="pt-PT" sz="2600" i="1" dirty="0"/>
               <a:t> </a:t>
             </a:r>
             <a:r>
-              <a:rPr lang="pt-PT" sz="1800" dirty="0" err="1">
-                <a:hlinkClick r:id="rId2"/>
-              </a:rPr>
-              <a:t>Risk</a:t>
-            </a:r>
-            <a:r>
-              <a:rPr lang="pt-PT" sz="1800" dirty="0">
-                <a:hlinkClick r:id="rId2"/>
-              </a:rPr>
-              <a:t> </a:t>
-            </a:r>
-            <a:r>
-              <a:rPr lang="pt-PT" sz="1800" dirty="0" err="1">
-                <a:hlinkClick r:id="rId2"/>
-              </a:rPr>
-              <a:t>Modeling</a:t>
-            </a:r>
-            <a:r>
-              <a:rPr lang="pt-PT" sz="1800" dirty="0">
-                <a:hlinkClick r:id="rId2"/>
-              </a:rPr>
-              <a:t> </a:t>
-            </a:r>
-            <a:r>
-              <a:rPr lang="pt-PT" sz="1800" dirty="0" err="1">
-                <a:hlinkClick r:id="rId2"/>
-              </a:rPr>
-              <a:t>with</a:t>
-            </a:r>
-            <a:r>
-              <a:rPr lang="pt-PT" sz="1800" dirty="0">
-                <a:hlinkClick r:id="rId2"/>
-              </a:rPr>
-              <a:t> </a:t>
-            </a:r>
-            <a:r>
-              <a:rPr lang="pt-PT" sz="1800" dirty="0" err="1">
-                <a:hlinkClick r:id="rId2"/>
-              </a:rPr>
-              <a:t>Machine</a:t>
-            </a:r>
-            <a:r>
-              <a:rPr lang="pt-PT" sz="1800" dirty="0">
-                <a:hlinkClick r:id="rId2"/>
-              </a:rPr>
-              <a:t> </a:t>
-            </a:r>
-            <a:r>
-              <a:rPr lang="pt-PT" sz="1800" dirty="0" err="1">
-                <a:hlinkClick r:id="rId2"/>
-              </a:rPr>
-              <a:t>Learning</a:t>
-            </a:r>
-            <a:endParaRPr lang="pt-PT" sz="1800" dirty="0"/>
-          </a:p>
-          <a:p>
-            <a:pPr marL="342900" indent="-342900" algn="just">
+              <a:rPr lang="pt-PT" sz="2600" i="1" dirty="0" err="1"/>
+              <a:t>Trees</a:t>
+            </a:r>
+            <a:endParaRPr lang="pt-PT" sz="2600" i="1" dirty="0"/>
+          </a:p>
+          <a:p>
+            <a:pPr marL="800100" lvl="1" indent="-342900" algn="just">
+              <a:lnSpc>
+                <a:spcPct val="150000"/>
+              </a:lnSpc>
               <a:buFont typeface="Arial" panose="020B0604020202020204" pitchFamily="34" charset="0"/>
               <a:buChar char="•"/>
             </a:pPr>
             <a:r>
-              <a:rPr lang="pt-PT" sz="1800" dirty="0" err="1">
-                <a:hlinkClick r:id="rId3"/>
-              </a:rPr>
-              <a:t>Credit</a:t>
-            </a:r>
-            <a:r>
-              <a:rPr lang="pt-PT" sz="1800" dirty="0">
-                <a:hlinkClick r:id="rId3"/>
-              </a:rPr>
+              <a:rPr lang="pt-PT" dirty="0"/>
+              <a:t>Representação de uma tabela de decisão sob forma de árvore. Usa diagramas para mapear várias alternativas e respetivos resultados de decisões, assim como as probabilidades de ocorrerem. De modo a validar a precisão deste classificador, será usada uma</a:t>
+            </a:r>
+            <a:r>
+              <a:rPr lang="pt-PT" i="1" dirty="0"/>
               <a:t> </a:t>
             </a:r>
             <a:r>
-              <a:rPr lang="pt-PT" sz="1800" dirty="0" err="1">
-                <a:hlinkClick r:id="rId3"/>
-              </a:rPr>
-              <a:t>Risk</a:t>
-            </a:r>
-            <a:r>
-              <a:rPr lang="pt-PT" sz="1800" dirty="0">
-                <a:hlinkClick r:id="rId3"/>
-              </a:rPr>
+              <a:rPr lang="pt-PT" i="1" dirty="0" err="1"/>
+              <a:t>GridSearchCV</a:t>
+            </a:r>
+            <a:r>
+              <a:rPr lang="pt-PT" i="1" dirty="0"/>
               <a:t> </a:t>
             </a:r>
             <a:r>
-              <a:rPr lang="pt-PT" sz="1800" dirty="0" err="1">
-                <a:hlinkClick r:id="rId3"/>
-              </a:rPr>
-              <a:t>Modelling</a:t>
-            </a:r>
-            <a:r>
-              <a:rPr lang="pt-PT" sz="1800" dirty="0">
-                <a:hlinkClick r:id="rId3"/>
-              </a:rPr>
-              <a:t> in </a:t>
-            </a:r>
-            <a:r>
-              <a:rPr lang="pt-PT" sz="1800" dirty="0" err="1">
-                <a:hlinkClick r:id="rId3"/>
-              </a:rPr>
-              <a:t>Python</a:t>
-            </a:r>
-            <a:endParaRPr lang="pt-PT" sz="1800" dirty="0"/>
+              <a:rPr lang="pt-PT" dirty="0"/>
+              <a:t>(10 </a:t>
+            </a:r>
+            <a:r>
+              <a:rPr lang="pt-PT" i="1" dirty="0" err="1"/>
+              <a:t>splits</a:t>
+            </a:r>
+            <a:r>
+              <a:rPr lang="pt-PT" dirty="0"/>
+              <a:t>), assim como para o resto dos algoritmos.</a:t>
+            </a:r>
           </a:p>
           <a:p>
             <a:pPr marL="342900" indent="-342900" algn="just">
+              <a:lnSpc>
+                <a:spcPct val="150000"/>
+              </a:lnSpc>
               <a:buFont typeface="Arial" panose="020B0604020202020204" pitchFamily="34" charset="0"/>
               <a:buChar char="•"/>
             </a:pPr>
             <a:r>
-              <a:rPr lang="en-US" sz="1800" dirty="0">
-                <a:hlinkClick r:id="rId4"/>
-              </a:rPr>
-              <a:t>A Machine Learning Approach To Credit Risk Assessment</a:t>
-            </a:r>
-            <a:endParaRPr lang="en-US" sz="1800" dirty="0"/>
-          </a:p>
-          <a:p>
-            <a:pPr marL="342900" indent="-342900" algn="just">
+              <a:rPr lang="pt-PT" sz="2600" i="1" dirty="0"/>
+              <a:t>K-</a:t>
+            </a:r>
+            <a:r>
+              <a:rPr lang="pt-PT" sz="2600" i="1" dirty="0" err="1"/>
+              <a:t>Nearest</a:t>
+            </a:r>
+            <a:r>
+              <a:rPr lang="pt-PT" sz="2600" i="1" dirty="0"/>
+              <a:t> </a:t>
+            </a:r>
+            <a:r>
+              <a:rPr lang="pt-PT" sz="2600" i="1" dirty="0" err="1"/>
+              <a:t>Neighbors</a:t>
+            </a:r>
+            <a:endParaRPr lang="pt-PT" sz="2600" i="1" dirty="0"/>
+          </a:p>
+          <a:p>
+            <a:pPr marL="800100" lvl="1" indent="-342900" algn="just">
+              <a:lnSpc>
+                <a:spcPct val="150000"/>
+              </a:lnSpc>
               <a:buFont typeface="Arial" panose="020B0604020202020204" pitchFamily="34" charset="0"/>
               <a:buChar char="•"/>
             </a:pPr>
             <a:r>
-              <a:rPr lang="en-US" sz="1800" dirty="0">
-                <a:hlinkClick r:id="rId5"/>
-              </a:rPr>
-              <a:t>Credit Risk Analysis</a:t>
-            </a:r>
-            <a:endParaRPr lang="en-US" sz="1800" dirty="0"/>
+              <a:rPr lang="pt-PT" dirty="0"/>
+              <a:t>Baseia-se nas amostras vizinhas advindas de um conjunto de treino para obter uma classificação, não necessitando de treino para que seja gerado um modelo. Para classificar este modelo será utilizado </a:t>
+            </a:r>
+            <a:r>
+              <a:rPr lang="pt-PT" i="1" dirty="0" err="1"/>
+              <a:t>KNeighborsClassifier</a:t>
+            </a:r>
+            <a:r>
+              <a:rPr lang="pt-PT" i="1" dirty="0"/>
+              <a:t> </a:t>
+            </a:r>
+            <a:r>
+              <a:rPr lang="pt-PT" dirty="0"/>
+              <a:t>relativo ao módulo </a:t>
+            </a:r>
+            <a:r>
+              <a:rPr lang="pt-PT" i="1" dirty="0" err="1"/>
+              <a:t>sklearn.neighbors</a:t>
+            </a:r>
+            <a:r>
+              <a:rPr lang="pt-PT" dirty="0"/>
+              <a:t>.</a:t>
+            </a:r>
           </a:p>
           <a:p>
             <a:pPr marL="342900" indent="-342900" algn="just">
+              <a:lnSpc>
+                <a:spcPct val="150000"/>
+              </a:lnSpc>
               <a:buFont typeface="Arial" panose="020B0604020202020204" pitchFamily="34" charset="0"/>
               <a:buChar char="•"/>
             </a:pPr>
             <a:r>
-              <a:rPr lang="en-US" sz="1800" dirty="0">
-                <a:hlinkClick r:id="rId6"/>
-              </a:rPr>
-              <a:t>Credit Risk Modelling Case Study</a:t>
-            </a:r>
-            <a:endParaRPr lang="en-US" sz="1800" dirty="0"/>
-          </a:p>
-          <a:p>
-            <a:pPr marL="342900" indent="-342900" algn="just">
+              <a:rPr lang="pt-PT" sz="2600" i="1" dirty="0"/>
+              <a:t>Neural Networks</a:t>
+            </a:r>
+          </a:p>
+          <a:p>
+            <a:pPr marL="800100" lvl="1" indent="-342900" algn="just">
+              <a:lnSpc>
+                <a:spcPct val="150000"/>
+              </a:lnSpc>
               <a:buFont typeface="Arial" panose="020B0604020202020204" pitchFamily="34" charset="0"/>
               <a:buChar char="•"/>
             </a:pPr>
-            <a:endParaRPr lang="pt-PT" dirty="0"/>
+            <a:r>
+              <a:rPr lang="pt-PT" dirty="0"/>
+              <a:t>Este modelo será baseado na implementação do classificador </a:t>
+            </a:r>
+            <a:r>
+              <a:rPr lang="pt-PT" dirty="0" err="1"/>
+              <a:t>MLPClassifier</a:t>
+            </a:r>
+            <a:r>
+              <a:rPr lang="pt-PT" dirty="0"/>
+              <a:t> relativo ao módulo </a:t>
+            </a:r>
+            <a:r>
+              <a:rPr lang="pt-PT" i="1" dirty="0" err="1"/>
+              <a:t>sklearn.neural_network</a:t>
+            </a:r>
+            <a:r>
+              <a:rPr lang="pt-PT" dirty="0"/>
+              <a:t>.</a:t>
+            </a:r>
+          </a:p>
+          <a:p>
+            <a:pPr marL="342900" indent="-342900" algn="just">
+              <a:lnSpc>
+                <a:spcPct val="150000"/>
+              </a:lnSpc>
+              <a:buFont typeface="Arial" panose="020B0604020202020204" pitchFamily="34" charset="0"/>
+              <a:buChar char="•"/>
+            </a:pPr>
+            <a:r>
+              <a:rPr lang="pt-PT" sz="2600" i="1" dirty="0" err="1"/>
+              <a:t>Support</a:t>
+            </a:r>
+            <a:r>
+              <a:rPr lang="pt-PT" sz="2600" i="1" dirty="0"/>
+              <a:t> </a:t>
+            </a:r>
+            <a:r>
+              <a:rPr lang="pt-PT" sz="2600" i="1" dirty="0" err="1"/>
+              <a:t>Vector</a:t>
+            </a:r>
+            <a:r>
+              <a:rPr lang="pt-PT" sz="2600" i="1" dirty="0"/>
+              <a:t> </a:t>
+            </a:r>
+            <a:r>
+              <a:rPr lang="pt-PT" sz="2600" i="1" dirty="0" err="1"/>
+              <a:t>Machines</a:t>
+            </a:r>
+            <a:endParaRPr lang="pt-PT" sz="2600" i="1" dirty="0"/>
+          </a:p>
+          <a:p>
+            <a:pPr marL="800100" lvl="1" indent="-342900" algn="just">
+              <a:lnSpc>
+                <a:spcPct val="150000"/>
+              </a:lnSpc>
+              <a:buFont typeface="Arial" panose="020B0604020202020204" pitchFamily="34" charset="0"/>
+              <a:buChar char="•"/>
+            </a:pPr>
+            <a:r>
+              <a:rPr lang="pt-PT" dirty="0"/>
+              <a:t>Baseia-se em maximizar a separação entre dados de diferentes classes com vista a aumentar a precisão do classificador. Para tal, será utilizado </a:t>
+            </a:r>
+            <a:r>
+              <a:rPr lang="pt-PT" dirty="0" err="1"/>
+              <a:t>svm</a:t>
+            </a:r>
+            <a:r>
+              <a:rPr lang="pt-PT" dirty="0"/>
+              <a:t> do módulo </a:t>
+            </a:r>
+            <a:r>
+              <a:rPr lang="pt-PT" dirty="0" err="1"/>
+              <a:t>sklearn</a:t>
+            </a:r>
+            <a:r>
+              <a:rPr lang="pt-PT" dirty="0"/>
+              <a:t>.</a:t>
+            </a:r>
           </a:p>
           <a:p>
             <a:pPr algn="just"/>
@@ -6871,7 +7101,1982 @@
     </p:spTree>
     <p:extLst>
       <p:ext uri="{BB962C8B-B14F-4D97-AF65-F5344CB8AC3E}">
-        <p14:creationId xmlns:p14="http://schemas.microsoft.com/office/powerpoint/2010/main" val="243865436"/>
+        <p14:creationId xmlns:p14="http://schemas.microsoft.com/office/powerpoint/2010/main" val="560464402"/>
+      </p:ext>
+    </p:extLst>
+  </p:cSld>
+  <p:clrMapOvr>
+    <a:masterClrMapping/>
+  </p:clrMapOvr>
+</p:sld>
+</file>
+
+<file path=ppt/slides/slide5.xml><?xml version="1.0" encoding="utf-8"?>
+<p:sld xmlns:a="http://schemas.openxmlformats.org/drawingml/2006/main" xmlns:r="http://schemas.openxmlformats.org/officeDocument/2006/relationships" xmlns:p="http://schemas.openxmlformats.org/presentationml/2006/main">
+  <p:cSld>
+    <p:spTree>
+      <p:nvGrpSpPr>
+        <p:cNvPr id="1" name=""/>
+        <p:cNvGrpSpPr/>
+        <p:nvPr/>
+      </p:nvGrpSpPr>
+      <p:grpSpPr>
+        <a:xfrm>
+          <a:off x="0" y="0"/>
+          <a:ext cx="0" cy="0"/>
+          <a:chOff x="0" y="0"/>
+          <a:chExt cx="0" cy="0"/>
+        </a:xfrm>
+      </p:grpSpPr>
+      <p:sp>
+        <p:nvSpPr>
+          <p:cNvPr id="6" name="Retângulo 5">
+            <a:extLst>
+              <a:ext uri="{FF2B5EF4-FFF2-40B4-BE49-F238E27FC236}">
+                <a16:creationId xmlns:a16="http://schemas.microsoft.com/office/drawing/2014/main" id="{454CAB97-83B3-44A3-8CA4-605ECF34C270}"/>
+              </a:ext>
+            </a:extLst>
+          </p:cNvPr>
+          <p:cNvSpPr/>
+          <p:nvPr/>
+        </p:nvSpPr>
+        <p:spPr>
+          <a:xfrm>
+            <a:off x="391885" y="6322612"/>
+            <a:ext cx="11364880" cy="309300"/>
+          </a:xfrm>
+          <a:prstGeom prst="rect">
+            <a:avLst/>
+          </a:prstGeom>
+          <a:gradFill>
+            <a:gsLst>
+              <a:gs pos="0">
+                <a:schemeClr val="accent1">
+                  <a:tint val="66000"/>
+                  <a:satMod val="160000"/>
+                  <a:lumMod val="70000"/>
+                  <a:lumOff val="30000"/>
+                </a:schemeClr>
+              </a:gs>
+              <a:gs pos="48000">
+                <a:schemeClr val="accent1">
+                  <a:tint val="44500"/>
+                  <a:satMod val="160000"/>
+                </a:schemeClr>
+              </a:gs>
+              <a:gs pos="70000">
+                <a:schemeClr val="accent1">
+                  <a:tint val="23500"/>
+                  <a:satMod val="160000"/>
+                </a:schemeClr>
+              </a:gs>
+            </a:gsLst>
+            <a:lin ang="2700000" scaled="0"/>
+          </a:gradFill>
+          <a:ln>
+            <a:noFill/>
+          </a:ln>
+        </p:spPr>
+        <p:style>
+          <a:lnRef idx="2">
+            <a:schemeClr val="accent1">
+              <a:shade val="50000"/>
+            </a:schemeClr>
+          </a:lnRef>
+          <a:fillRef idx="1">
+            <a:schemeClr val="accent1"/>
+          </a:fillRef>
+          <a:effectRef idx="0">
+            <a:schemeClr val="accent1"/>
+          </a:effectRef>
+          <a:fontRef idx="minor">
+            <a:schemeClr val="lt1"/>
+          </a:fontRef>
+        </p:style>
+        <p:txBody>
+          <a:bodyPr rtlCol="0" anchor="ctr"/>
+          <a:lstStyle/>
+          <a:p>
+            <a:pPr algn="ctr"/>
+            <a:endParaRPr lang="pt-PT"/>
+          </a:p>
+        </p:txBody>
+      </p:sp>
+      <p:sp>
+        <p:nvSpPr>
+          <p:cNvPr id="7" name="CaixaDeTexto 6">
+            <a:extLst>
+              <a:ext uri="{FF2B5EF4-FFF2-40B4-BE49-F238E27FC236}">
+                <a16:creationId xmlns:a16="http://schemas.microsoft.com/office/drawing/2014/main" id="{8B04A5FC-F93A-49B3-92B6-8B766FBD06EB}"/>
+              </a:ext>
+            </a:extLst>
+          </p:cNvPr>
+          <p:cNvSpPr txBox="1"/>
+          <p:nvPr/>
+        </p:nvSpPr>
+        <p:spPr>
+          <a:xfrm>
+            <a:off x="6692201" y="6292468"/>
+            <a:ext cx="5084462" cy="369332"/>
+          </a:xfrm>
+          <a:prstGeom prst="rect">
+            <a:avLst/>
+          </a:prstGeom>
+          <a:noFill/>
+        </p:spPr>
+        <p:txBody>
+          <a:bodyPr wrap="square" rtlCol="0">
+            <a:spAutoFit/>
+          </a:bodyPr>
+          <a:lstStyle/>
+          <a:p>
+            <a:r>
+              <a:rPr lang="pt-PT" sz="1600" b="1" dirty="0"/>
+              <a:t>José Rocha :: Telmo Botelho :: IART 20/21 :: Grupo 26 :: </a:t>
+            </a:r>
+            <a:r>
+              <a:rPr lang="pt-PT" b="1" dirty="0"/>
+              <a:t>5</a:t>
+            </a:r>
+            <a:endParaRPr lang="pt-PT" sz="1600" b="1" dirty="0"/>
+          </a:p>
+        </p:txBody>
+      </p:sp>
+      <p:sp>
+        <p:nvSpPr>
+          <p:cNvPr id="11" name="Título 1">
+            <a:extLst>
+              <a:ext uri="{FF2B5EF4-FFF2-40B4-BE49-F238E27FC236}">
+                <a16:creationId xmlns:a16="http://schemas.microsoft.com/office/drawing/2014/main" id="{57684155-E862-4F62-BEFD-8B55EE125DA9}"/>
+              </a:ext>
+            </a:extLst>
+          </p:cNvPr>
+          <p:cNvSpPr txBox="1">
+            <a:spLocks/>
+          </p:cNvSpPr>
+          <p:nvPr/>
+        </p:nvSpPr>
+        <p:spPr>
+          <a:xfrm>
+            <a:off x="838200" y="36058"/>
+            <a:ext cx="10515600" cy="1087788"/>
+          </a:xfrm>
+          <a:prstGeom prst="rect">
+            <a:avLst/>
+          </a:prstGeom>
+        </p:spPr>
+        <p:txBody>
+          <a:bodyPr vert="horz" lIns="91440" tIns="45720" rIns="91440" bIns="45720" rtlCol="0" anchor="b">
+            <a:normAutofit/>
+          </a:bodyPr>
+          <a:lstStyle>
+            <a:lvl1pPr algn="ctr" defTabSz="914400" rtl="0" eaLnBrk="1" latinLnBrk="0" hangingPunct="1">
+              <a:lnSpc>
+                <a:spcPct val="90000"/>
+              </a:lnSpc>
+              <a:spcBef>
+                <a:spcPct val="0"/>
+              </a:spcBef>
+              <a:buNone/>
+              <a:defRPr sz="6000" kern="1200">
+                <a:solidFill>
+                  <a:schemeClr val="tx1"/>
+                </a:solidFill>
+                <a:latin typeface="+mj-lt"/>
+                <a:ea typeface="+mj-ea"/>
+                <a:cs typeface="+mj-cs"/>
+              </a:defRPr>
+            </a:lvl1pPr>
+          </a:lstStyle>
+          <a:p>
+            <a:r>
+              <a:rPr lang="pt-PT" sz="4800" b="1" dirty="0" err="1"/>
+              <a:t>Decision</a:t>
+            </a:r>
+            <a:r>
+              <a:rPr lang="pt-PT" sz="4800" b="1" dirty="0"/>
+              <a:t> </a:t>
+            </a:r>
+            <a:r>
+              <a:rPr lang="pt-PT" sz="4800" b="1" dirty="0" err="1"/>
+              <a:t>Trees</a:t>
+            </a:r>
+            <a:endParaRPr lang="pt-PT" sz="4800" b="1" dirty="0"/>
+          </a:p>
+        </p:txBody>
+      </p:sp>
+      <p:pic>
+        <p:nvPicPr>
+          <p:cNvPr id="5" name="Imagem 4">
+            <a:extLst>
+              <a:ext uri="{FF2B5EF4-FFF2-40B4-BE49-F238E27FC236}">
+                <a16:creationId xmlns:a16="http://schemas.microsoft.com/office/drawing/2014/main" id="{3412AD75-E530-4802-BA47-C9F11FF0CBA6}"/>
+              </a:ext>
+            </a:extLst>
+          </p:cNvPr>
+          <p:cNvPicPr>
+            <a:picLocks noChangeAspect="1"/>
+          </p:cNvPicPr>
+          <p:nvPr/>
+        </p:nvPicPr>
+        <p:blipFill>
+          <a:blip r:embed="rId2"/>
+          <a:stretch>
+            <a:fillRect/>
+          </a:stretch>
+        </p:blipFill>
+        <p:spPr>
+          <a:xfrm>
+            <a:off x="1698708" y="3429001"/>
+            <a:ext cx="3617364" cy="2567162"/>
+          </a:xfrm>
+          <a:prstGeom prst="rect">
+            <a:avLst/>
+          </a:prstGeom>
+        </p:spPr>
+      </p:pic>
+      <p:sp>
+        <p:nvSpPr>
+          <p:cNvPr id="9" name="CaixaDeTexto 8">
+            <a:extLst>
+              <a:ext uri="{FF2B5EF4-FFF2-40B4-BE49-F238E27FC236}">
+                <a16:creationId xmlns:a16="http://schemas.microsoft.com/office/drawing/2014/main" id="{C53BC07E-A8CA-4A63-B979-72455CA05709}"/>
+              </a:ext>
+            </a:extLst>
+          </p:cNvPr>
+          <p:cNvSpPr txBox="1"/>
+          <p:nvPr/>
+        </p:nvSpPr>
+        <p:spPr>
+          <a:xfrm>
+            <a:off x="838201" y="1312105"/>
+            <a:ext cx="10340788" cy="1900777"/>
+          </a:xfrm>
+          <a:prstGeom prst="rect">
+            <a:avLst/>
+          </a:prstGeom>
+          <a:noFill/>
+        </p:spPr>
+        <p:txBody>
+          <a:bodyPr wrap="square" rtlCol="0">
+            <a:spAutoFit/>
+          </a:bodyPr>
+          <a:lstStyle/>
+          <a:p>
+            <a:pPr marL="285750" indent="-285750" algn="just">
+              <a:lnSpc>
+                <a:spcPct val="150000"/>
+              </a:lnSpc>
+              <a:buFont typeface="Arial" panose="020B0604020202020204" pitchFamily="34" charset="0"/>
+              <a:buChar char="•"/>
+            </a:pPr>
+            <a:r>
+              <a:rPr lang="pt-PT" sz="1600" dirty="0"/>
+              <a:t>Foram utilizados como </a:t>
+            </a:r>
+            <a:r>
+              <a:rPr lang="pt-PT" sz="1600" dirty="0" err="1"/>
+              <a:t>hiperparâmetros</a:t>
+            </a:r>
+            <a:r>
+              <a:rPr lang="pt-PT" sz="1600" dirty="0"/>
+              <a:t> o número de </a:t>
+            </a:r>
+            <a:r>
+              <a:rPr lang="pt-PT" sz="1600" i="1" dirty="0" err="1"/>
+              <a:t>features</a:t>
+            </a:r>
+            <a:r>
+              <a:rPr lang="pt-PT" sz="1600" dirty="0"/>
+              <a:t>, profundidade </a:t>
+            </a:r>
+            <a:r>
+              <a:rPr lang="pt-PT" sz="1600" dirty="0" err="1"/>
+              <a:t>analizada</a:t>
+            </a:r>
+            <a:r>
+              <a:rPr lang="pt-PT" sz="1600" dirty="0"/>
+              <a:t> e critério de divisão.</a:t>
+            </a:r>
+          </a:p>
+          <a:p>
+            <a:pPr marL="285750" indent="-285750" algn="just">
+              <a:lnSpc>
+                <a:spcPct val="150000"/>
+              </a:lnSpc>
+              <a:buFont typeface="Arial" panose="020B0604020202020204" pitchFamily="34" charset="0"/>
+              <a:buChar char="•"/>
+            </a:pPr>
+            <a:r>
+              <a:rPr lang="pt-PT" sz="1600" dirty="0"/>
+              <a:t>Como referido anteriormente, foi utilizada uma </a:t>
+            </a:r>
+            <a:r>
+              <a:rPr lang="pt-PT" sz="1600" i="1" dirty="0" err="1"/>
+              <a:t>GridSearchCv</a:t>
+            </a:r>
+            <a:r>
+              <a:rPr lang="pt-PT" sz="1600" dirty="0"/>
+              <a:t>, com 10 </a:t>
+            </a:r>
+            <a:r>
+              <a:rPr lang="pt-PT" sz="1600" dirty="0" err="1"/>
+              <a:t>splits</a:t>
+            </a:r>
+            <a:r>
+              <a:rPr lang="pt-PT" sz="1600" dirty="0"/>
+              <a:t>, e o </a:t>
+            </a:r>
+            <a:r>
+              <a:rPr lang="pt-PT" sz="1600" i="1" dirty="0" err="1"/>
+              <a:t>scoring</a:t>
+            </a:r>
+            <a:r>
+              <a:rPr lang="pt-PT" sz="1600" i="1" dirty="0"/>
+              <a:t> </a:t>
+            </a:r>
+            <a:r>
+              <a:rPr lang="pt-PT" sz="1600" dirty="0"/>
+              <a:t>foi baseado num parâmetro de </a:t>
+            </a:r>
+            <a:r>
+              <a:rPr lang="pt-PT" sz="1600" i="1" dirty="0" err="1"/>
+              <a:t>accuracy</a:t>
+            </a:r>
+            <a:r>
+              <a:rPr lang="pt-PT" sz="1600" dirty="0"/>
+              <a:t>.</a:t>
+            </a:r>
+          </a:p>
+          <a:p>
+            <a:pPr marL="285750" indent="-285750" algn="just">
+              <a:lnSpc>
+                <a:spcPct val="150000"/>
+              </a:lnSpc>
+              <a:buFont typeface="Arial" panose="020B0604020202020204" pitchFamily="34" charset="0"/>
+              <a:buChar char="•"/>
+            </a:pPr>
+            <a:r>
+              <a:rPr lang="pt-PT" sz="1600" dirty="0"/>
+              <a:t>Através da análise dos resultados é possível deduzir que o modelo não foi alvo de </a:t>
+            </a:r>
+            <a:r>
+              <a:rPr lang="pt-PT" sz="1600" i="1" dirty="0" err="1"/>
+              <a:t>overfitting</a:t>
+            </a:r>
+            <a:r>
+              <a:rPr lang="pt-PT" sz="1600" dirty="0"/>
+              <a:t>.  A precisão atingida através deste classificador é de 97.7%.</a:t>
+            </a:r>
+          </a:p>
+        </p:txBody>
+      </p:sp>
+      <p:pic>
+        <p:nvPicPr>
+          <p:cNvPr id="8" name="Imagem 7">
+            <a:extLst>
+              <a:ext uri="{FF2B5EF4-FFF2-40B4-BE49-F238E27FC236}">
+                <a16:creationId xmlns:a16="http://schemas.microsoft.com/office/drawing/2014/main" id="{125272FF-610A-4D76-815F-5BE933B39F03}"/>
+              </a:ext>
+            </a:extLst>
+          </p:cNvPr>
+          <p:cNvPicPr>
+            <a:picLocks noChangeAspect="1"/>
+          </p:cNvPicPr>
+          <p:nvPr/>
+        </p:nvPicPr>
+        <p:blipFill>
+          <a:blip r:embed="rId3"/>
+          <a:stretch>
+            <a:fillRect/>
+          </a:stretch>
+        </p:blipFill>
+        <p:spPr>
+          <a:xfrm>
+            <a:off x="5977265" y="3403724"/>
+            <a:ext cx="4556266" cy="2725519"/>
+          </a:xfrm>
+          <a:prstGeom prst="rect">
+            <a:avLst/>
+          </a:prstGeom>
+        </p:spPr>
+      </p:pic>
+    </p:spTree>
+    <p:extLst>
+      <p:ext uri="{BB962C8B-B14F-4D97-AF65-F5344CB8AC3E}">
+        <p14:creationId xmlns:p14="http://schemas.microsoft.com/office/powerpoint/2010/main" val="839858880"/>
+      </p:ext>
+    </p:extLst>
+  </p:cSld>
+  <p:clrMapOvr>
+    <a:masterClrMapping/>
+  </p:clrMapOvr>
+</p:sld>
+</file>
+
+<file path=ppt/slides/slide6.xml><?xml version="1.0" encoding="utf-8"?>
+<p:sld xmlns:a="http://schemas.openxmlformats.org/drawingml/2006/main" xmlns:r="http://schemas.openxmlformats.org/officeDocument/2006/relationships" xmlns:p="http://schemas.openxmlformats.org/presentationml/2006/main">
+  <p:cSld>
+    <p:spTree>
+      <p:nvGrpSpPr>
+        <p:cNvPr id="1" name=""/>
+        <p:cNvGrpSpPr/>
+        <p:nvPr/>
+      </p:nvGrpSpPr>
+      <p:grpSpPr>
+        <a:xfrm>
+          <a:off x="0" y="0"/>
+          <a:ext cx="0" cy="0"/>
+          <a:chOff x="0" y="0"/>
+          <a:chExt cx="0" cy="0"/>
+        </a:xfrm>
+      </p:grpSpPr>
+      <p:sp>
+        <p:nvSpPr>
+          <p:cNvPr id="6" name="Retângulo 5">
+            <a:extLst>
+              <a:ext uri="{FF2B5EF4-FFF2-40B4-BE49-F238E27FC236}">
+                <a16:creationId xmlns:a16="http://schemas.microsoft.com/office/drawing/2014/main" id="{454CAB97-83B3-44A3-8CA4-605ECF34C270}"/>
+              </a:ext>
+            </a:extLst>
+          </p:cNvPr>
+          <p:cNvSpPr/>
+          <p:nvPr/>
+        </p:nvSpPr>
+        <p:spPr>
+          <a:xfrm>
+            <a:off x="391885" y="6322612"/>
+            <a:ext cx="11364880" cy="309300"/>
+          </a:xfrm>
+          <a:prstGeom prst="rect">
+            <a:avLst/>
+          </a:prstGeom>
+          <a:gradFill>
+            <a:gsLst>
+              <a:gs pos="0">
+                <a:schemeClr val="accent1">
+                  <a:tint val="66000"/>
+                  <a:satMod val="160000"/>
+                  <a:lumMod val="70000"/>
+                  <a:lumOff val="30000"/>
+                </a:schemeClr>
+              </a:gs>
+              <a:gs pos="48000">
+                <a:schemeClr val="accent1">
+                  <a:tint val="44500"/>
+                  <a:satMod val="160000"/>
+                </a:schemeClr>
+              </a:gs>
+              <a:gs pos="70000">
+                <a:schemeClr val="accent1">
+                  <a:tint val="23500"/>
+                  <a:satMod val="160000"/>
+                </a:schemeClr>
+              </a:gs>
+            </a:gsLst>
+            <a:lin ang="2700000" scaled="0"/>
+          </a:gradFill>
+          <a:ln>
+            <a:noFill/>
+          </a:ln>
+        </p:spPr>
+        <p:style>
+          <a:lnRef idx="2">
+            <a:schemeClr val="accent1">
+              <a:shade val="50000"/>
+            </a:schemeClr>
+          </a:lnRef>
+          <a:fillRef idx="1">
+            <a:schemeClr val="accent1"/>
+          </a:fillRef>
+          <a:effectRef idx="0">
+            <a:schemeClr val="accent1"/>
+          </a:effectRef>
+          <a:fontRef idx="minor">
+            <a:schemeClr val="lt1"/>
+          </a:fontRef>
+        </p:style>
+        <p:txBody>
+          <a:bodyPr rtlCol="0" anchor="ctr"/>
+          <a:lstStyle/>
+          <a:p>
+            <a:pPr algn="ctr"/>
+            <a:endParaRPr lang="pt-PT"/>
+          </a:p>
+        </p:txBody>
+      </p:sp>
+      <p:sp>
+        <p:nvSpPr>
+          <p:cNvPr id="7" name="CaixaDeTexto 6">
+            <a:extLst>
+              <a:ext uri="{FF2B5EF4-FFF2-40B4-BE49-F238E27FC236}">
+                <a16:creationId xmlns:a16="http://schemas.microsoft.com/office/drawing/2014/main" id="{8B04A5FC-F93A-49B3-92B6-8B766FBD06EB}"/>
+              </a:ext>
+            </a:extLst>
+          </p:cNvPr>
+          <p:cNvSpPr txBox="1"/>
+          <p:nvPr/>
+        </p:nvSpPr>
+        <p:spPr>
+          <a:xfrm>
+            <a:off x="6692201" y="6292468"/>
+            <a:ext cx="5084462" cy="369332"/>
+          </a:xfrm>
+          <a:prstGeom prst="rect">
+            <a:avLst/>
+          </a:prstGeom>
+          <a:noFill/>
+        </p:spPr>
+        <p:txBody>
+          <a:bodyPr wrap="square" rtlCol="0">
+            <a:spAutoFit/>
+          </a:bodyPr>
+          <a:lstStyle/>
+          <a:p>
+            <a:r>
+              <a:rPr lang="pt-PT" sz="1600" b="1" dirty="0"/>
+              <a:t>José Rocha :: Telmo Botelho :: IART 20/21 :: Grupo 26 :: </a:t>
+            </a:r>
+            <a:r>
+              <a:rPr lang="pt-PT" b="1" dirty="0"/>
+              <a:t>6</a:t>
+            </a:r>
+            <a:endParaRPr lang="pt-PT" sz="1600" b="1" dirty="0"/>
+          </a:p>
+        </p:txBody>
+      </p:sp>
+      <p:sp>
+        <p:nvSpPr>
+          <p:cNvPr id="11" name="Título 1">
+            <a:extLst>
+              <a:ext uri="{FF2B5EF4-FFF2-40B4-BE49-F238E27FC236}">
+                <a16:creationId xmlns:a16="http://schemas.microsoft.com/office/drawing/2014/main" id="{57684155-E862-4F62-BEFD-8B55EE125DA9}"/>
+              </a:ext>
+            </a:extLst>
+          </p:cNvPr>
+          <p:cNvSpPr txBox="1">
+            <a:spLocks/>
+          </p:cNvSpPr>
+          <p:nvPr/>
+        </p:nvSpPr>
+        <p:spPr>
+          <a:xfrm>
+            <a:off x="838200" y="36058"/>
+            <a:ext cx="10515600" cy="1087788"/>
+          </a:xfrm>
+          <a:prstGeom prst="rect">
+            <a:avLst/>
+          </a:prstGeom>
+        </p:spPr>
+        <p:txBody>
+          <a:bodyPr vert="horz" lIns="91440" tIns="45720" rIns="91440" bIns="45720" rtlCol="0" anchor="b">
+            <a:normAutofit/>
+          </a:bodyPr>
+          <a:lstStyle>
+            <a:lvl1pPr algn="ctr" defTabSz="914400" rtl="0" eaLnBrk="1" latinLnBrk="0" hangingPunct="1">
+              <a:lnSpc>
+                <a:spcPct val="90000"/>
+              </a:lnSpc>
+              <a:spcBef>
+                <a:spcPct val="0"/>
+              </a:spcBef>
+              <a:buNone/>
+              <a:defRPr sz="6000" kern="1200">
+                <a:solidFill>
+                  <a:schemeClr val="tx1"/>
+                </a:solidFill>
+                <a:latin typeface="+mj-lt"/>
+                <a:ea typeface="+mj-ea"/>
+                <a:cs typeface="+mj-cs"/>
+              </a:defRPr>
+            </a:lvl1pPr>
+          </a:lstStyle>
+          <a:p>
+            <a:r>
+              <a:rPr lang="pt-PT" sz="4800" b="1" dirty="0"/>
+              <a:t>K-</a:t>
+            </a:r>
+            <a:r>
+              <a:rPr lang="pt-PT" sz="4800" b="1" dirty="0" err="1"/>
+              <a:t>Nearest</a:t>
+            </a:r>
+            <a:r>
+              <a:rPr lang="pt-PT" sz="4800" b="1" dirty="0"/>
+              <a:t> </a:t>
+            </a:r>
+            <a:r>
+              <a:rPr lang="pt-PT" sz="4800" b="1" dirty="0" err="1"/>
+              <a:t>Neighbors</a:t>
+            </a:r>
+            <a:endParaRPr lang="pt-PT" sz="4800" b="1" dirty="0"/>
+          </a:p>
+        </p:txBody>
+      </p:sp>
+      <p:sp>
+        <p:nvSpPr>
+          <p:cNvPr id="9" name="CaixaDeTexto 8">
+            <a:extLst>
+              <a:ext uri="{FF2B5EF4-FFF2-40B4-BE49-F238E27FC236}">
+                <a16:creationId xmlns:a16="http://schemas.microsoft.com/office/drawing/2014/main" id="{C53BC07E-A8CA-4A63-B979-72455CA05709}"/>
+              </a:ext>
+            </a:extLst>
+          </p:cNvPr>
+          <p:cNvSpPr txBox="1"/>
+          <p:nvPr/>
+        </p:nvSpPr>
+        <p:spPr>
+          <a:xfrm>
+            <a:off x="838201" y="1312105"/>
+            <a:ext cx="10340788" cy="2270109"/>
+          </a:xfrm>
+          <a:prstGeom prst="rect">
+            <a:avLst/>
+          </a:prstGeom>
+          <a:noFill/>
+        </p:spPr>
+        <p:txBody>
+          <a:bodyPr wrap="square" rtlCol="0">
+            <a:spAutoFit/>
+          </a:bodyPr>
+          <a:lstStyle/>
+          <a:p>
+            <a:pPr marL="285750" indent="-285750" algn="just">
+              <a:lnSpc>
+                <a:spcPct val="150000"/>
+              </a:lnSpc>
+              <a:buFont typeface="Arial" panose="020B0604020202020204" pitchFamily="34" charset="0"/>
+              <a:buChar char="•"/>
+            </a:pPr>
+            <a:r>
+              <a:rPr lang="pt-PT" sz="1600" dirty="0"/>
+              <a:t>Foram utilizados como </a:t>
+            </a:r>
+            <a:r>
+              <a:rPr lang="pt-PT" sz="1600" dirty="0" err="1"/>
+              <a:t>hiperparâmetros</a:t>
+            </a:r>
+            <a:r>
+              <a:rPr lang="pt-PT" sz="1600" dirty="0"/>
+              <a:t> a </a:t>
+            </a:r>
+            <a:r>
+              <a:rPr lang="pt-PT" sz="1600" i="1" dirty="0" err="1"/>
+              <a:t>weight</a:t>
+            </a:r>
+            <a:r>
+              <a:rPr lang="pt-PT" sz="1600" i="1" dirty="0"/>
+              <a:t> </a:t>
+            </a:r>
+            <a:r>
+              <a:rPr lang="pt-PT" sz="1600" i="1" dirty="0" err="1"/>
+              <a:t>function</a:t>
+            </a:r>
+            <a:r>
+              <a:rPr lang="pt-PT" sz="1600" dirty="0"/>
+              <a:t>, o número de vizinhos, o algoritmo para computar os vizinhos, a</a:t>
+            </a:r>
+            <a:r>
+              <a:rPr lang="pt-PT" sz="1600" i="1" dirty="0"/>
+              <a:t> </a:t>
+            </a:r>
+            <a:r>
+              <a:rPr lang="pt-PT" sz="1600" i="1" dirty="0" err="1"/>
+              <a:t>leaf</a:t>
+            </a:r>
+            <a:r>
+              <a:rPr lang="pt-PT" sz="1600" i="1" dirty="0"/>
+              <a:t> </a:t>
+            </a:r>
+            <a:r>
+              <a:rPr lang="pt-PT" sz="1600" i="1" dirty="0" err="1"/>
+              <a:t>size</a:t>
+            </a:r>
+            <a:r>
+              <a:rPr lang="pt-PT" sz="1600" i="1" dirty="0"/>
+              <a:t> </a:t>
+            </a:r>
+            <a:r>
+              <a:rPr lang="pt-PT" sz="1600" dirty="0"/>
+              <a:t>e o</a:t>
+            </a:r>
+            <a:r>
+              <a:rPr lang="pt-PT" sz="1600" i="1" dirty="0"/>
+              <a:t> </a:t>
+            </a:r>
+            <a:r>
+              <a:rPr lang="pt-PT" sz="1600" i="1" dirty="0" err="1"/>
+              <a:t>power</a:t>
+            </a:r>
+            <a:r>
+              <a:rPr lang="pt-PT" sz="1600" i="1" dirty="0"/>
+              <a:t> </a:t>
+            </a:r>
+            <a:r>
+              <a:rPr lang="pt-PT" sz="1600" i="1" dirty="0" err="1"/>
+              <a:t>paramete</a:t>
+            </a:r>
+            <a:r>
+              <a:rPr lang="pt-PT" sz="1600" dirty="0" err="1"/>
+              <a:t>r</a:t>
+            </a:r>
+            <a:r>
+              <a:rPr lang="pt-PT" sz="1600" dirty="0"/>
+              <a:t>. </a:t>
+            </a:r>
+          </a:p>
+          <a:p>
+            <a:pPr marL="285750" indent="-285750" algn="just">
+              <a:lnSpc>
+                <a:spcPct val="150000"/>
+              </a:lnSpc>
+              <a:buFont typeface="Arial" panose="020B0604020202020204" pitchFamily="34" charset="0"/>
+              <a:buChar char="•"/>
+            </a:pPr>
+            <a:r>
+              <a:rPr lang="pt-PT" sz="1600" dirty="0"/>
+              <a:t>Como referido anteriormente, foi utilizada uma </a:t>
+            </a:r>
+            <a:r>
+              <a:rPr lang="pt-PT" sz="1600" i="1" dirty="0" err="1"/>
+              <a:t>GridSearchCv</a:t>
+            </a:r>
+            <a:r>
+              <a:rPr lang="pt-PT" sz="1600" dirty="0"/>
+              <a:t>, com 10 </a:t>
+            </a:r>
+            <a:r>
+              <a:rPr lang="pt-PT" sz="1600" dirty="0" err="1"/>
+              <a:t>splits</a:t>
+            </a:r>
+            <a:r>
+              <a:rPr lang="pt-PT" sz="1600" dirty="0"/>
+              <a:t>, e o </a:t>
+            </a:r>
+            <a:r>
+              <a:rPr lang="pt-PT" sz="1600" i="1" dirty="0" err="1"/>
+              <a:t>scoring</a:t>
+            </a:r>
+            <a:r>
+              <a:rPr lang="pt-PT" sz="1600" i="1" dirty="0"/>
+              <a:t> </a:t>
+            </a:r>
+            <a:r>
+              <a:rPr lang="pt-PT" sz="1600" dirty="0"/>
+              <a:t>foi baseado num parâmetro de </a:t>
+            </a:r>
+            <a:r>
+              <a:rPr lang="pt-PT" sz="1600" i="1" dirty="0" err="1"/>
+              <a:t>accuracy</a:t>
+            </a:r>
+            <a:r>
+              <a:rPr lang="pt-PT" sz="1600" dirty="0"/>
+              <a:t>.</a:t>
+            </a:r>
+          </a:p>
+          <a:p>
+            <a:pPr marL="285750" indent="-285750" algn="just">
+              <a:lnSpc>
+                <a:spcPct val="150000"/>
+              </a:lnSpc>
+              <a:buFont typeface="Arial" panose="020B0604020202020204" pitchFamily="34" charset="0"/>
+              <a:buChar char="•"/>
+            </a:pPr>
+            <a:r>
+              <a:rPr lang="pt-PT" sz="1600" dirty="0"/>
+              <a:t>Através da análise dos resultados é possível deduzir que o modelo foi alvo de </a:t>
+            </a:r>
+            <a:r>
+              <a:rPr lang="pt-PT" sz="1600" i="1" dirty="0" err="1"/>
+              <a:t>overfitting</a:t>
+            </a:r>
+            <a:r>
+              <a:rPr lang="pt-PT" sz="1600" dirty="0"/>
+              <a:t>.  A precisão atingida através deste classificador é de 86.5%.</a:t>
+            </a:r>
+          </a:p>
+        </p:txBody>
+      </p:sp>
+      <p:pic>
+        <p:nvPicPr>
+          <p:cNvPr id="4" name="Imagem 3">
+            <a:extLst>
+              <a:ext uri="{FF2B5EF4-FFF2-40B4-BE49-F238E27FC236}">
+                <a16:creationId xmlns:a16="http://schemas.microsoft.com/office/drawing/2014/main" id="{1FD45833-6338-4814-A013-5CD507D2028D}"/>
+              </a:ext>
+            </a:extLst>
+          </p:cNvPr>
+          <p:cNvPicPr>
+            <a:picLocks noChangeAspect="1"/>
+          </p:cNvPicPr>
+          <p:nvPr/>
+        </p:nvPicPr>
+        <p:blipFill>
+          <a:blip r:embed="rId2"/>
+          <a:stretch>
+            <a:fillRect/>
+          </a:stretch>
+        </p:blipFill>
+        <p:spPr>
+          <a:xfrm>
+            <a:off x="1435102" y="3690588"/>
+            <a:ext cx="3618338" cy="2468722"/>
+          </a:xfrm>
+          <a:prstGeom prst="rect">
+            <a:avLst/>
+          </a:prstGeom>
+        </p:spPr>
+      </p:pic>
+      <p:pic>
+        <p:nvPicPr>
+          <p:cNvPr id="13" name="Imagem 12">
+            <a:extLst>
+              <a:ext uri="{FF2B5EF4-FFF2-40B4-BE49-F238E27FC236}">
+                <a16:creationId xmlns:a16="http://schemas.microsoft.com/office/drawing/2014/main" id="{EFB46074-02CE-49BD-8EB1-6371B8CD4B29}"/>
+              </a:ext>
+            </a:extLst>
+          </p:cNvPr>
+          <p:cNvPicPr>
+            <a:picLocks noChangeAspect="1"/>
+          </p:cNvPicPr>
+          <p:nvPr/>
+        </p:nvPicPr>
+        <p:blipFill>
+          <a:blip r:embed="rId3"/>
+          <a:stretch>
+            <a:fillRect/>
+          </a:stretch>
+        </p:blipFill>
+        <p:spPr>
+          <a:xfrm>
+            <a:off x="5561113" y="3693459"/>
+            <a:ext cx="5438795" cy="2443515"/>
+          </a:xfrm>
+          <a:prstGeom prst="rect">
+            <a:avLst/>
+          </a:prstGeom>
+        </p:spPr>
+      </p:pic>
+    </p:spTree>
+    <p:extLst>
+      <p:ext uri="{BB962C8B-B14F-4D97-AF65-F5344CB8AC3E}">
+        <p14:creationId xmlns:p14="http://schemas.microsoft.com/office/powerpoint/2010/main" val="2507920190"/>
+      </p:ext>
+    </p:extLst>
+  </p:cSld>
+  <p:clrMapOvr>
+    <a:masterClrMapping/>
+  </p:clrMapOvr>
+</p:sld>
+</file>
+
+<file path=ppt/slides/slide7.xml><?xml version="1.0" encoding="utf-8"?>
+<p:sld xmlns:a="http://schemas.openxmlformats.org/drawingml/2006/main" xmlns:r="http://schemas.openxmlformats.org/officeDocument/2006/relationships" xmlns:p="http://schemas.openxmlformats.org/presentationml/2006/main">
+  <p:cSld>
+    <p:spTree>
+      <p:nvGrpSpPr>
+        <p:cNvPr id="1" name=""/>
+        <p:cNvGrpSpPr/>
+        <p:nvPr/>
+      </p:nvGrpSpPr>
+      <p:grpSpPr>
+        <a:xfrm>
+          <a:off x="0" y="0"/>
+          <a:ext cx="0" cy="0"/>
+          <a:chOff x="0" y="0"/>
+          <a:chExt cx="0" cy="0"/>
+        </a:xfrm>
+      </p:grpSpPr>
+      <p:sp>
+        <p:nvSpPr>
+          <p:cNvPr id="6" name="Retângulo 5">
+            <a:extLst>
+              <a:ext uri="{FF2B5EF4-FFF2-40B4-BE49-F238E27FC236}">
+                <a16:creationId xmlns:a16="http://schemas.microsoft.com/office/drawing/2014/main" id="{454CAB97-83B3-44A3-8CA4-605ECF34C270}"/>
+              </a:ext>
+            </a:extLst>
+          </p:cNvPr>
+          <p:cNvSpPr/>
+          <p:nvPr/>
+        </p:nvSpPr>
+        <p:spPr>
+          <a:xfrm>
+            <a:off x="391885" y="6322612"/>
+            <a:ext cx="11364880" cy="309300"/>
+          </a:xfrm>
+          <a:prstGeom prst="rect">
+            <a:avLst/>
+          </a:prstGeom>
+          <a:gradFill>
+            <a:gsLst>
+              <a:gs pos="0">
+                <a:schemeClr val="accent1">
+                  <a:tint val="66000"/>
+                  <a:satMod val="160000"/>
+                  <a:lumMod val="70000"/>
+                  <a:lumOff val="30000"/>
+                </a:schemeClr>
+              </a:gs>
+              <a:gs pos="48000">
+                <a:schemeClr val="accent1">
+                  <a:tint val="44500"/>
+                  <a:satMod val="160000"/>
+                </a:schemeClr>
+              </a:gs>
+              <a:gs pos="70000">
+                <a:schemeClr val="accent1">
+                  <a:tint val="23500"/>
+                  <a:satMod val="160000"/>
+                </a:schemeClr>
+              </a:gs>
+            </a:gsLst>
+            <a:lin ang="2700000" scaled="0"/>
+          </a:gradFill>
+          <a:ln>
+            <a:noFill/>
+          </a:ln>
+        </p:spPr>
+        <p:style>
+          <a:lnRef idx="2">
+            <a:schemeClr val="accent1">
+              <a:shade val="50000"/>
+            </a:schemeClr>
+          </a:lnRef>
+          <a:fillRef idx="1">
+            <a:schemeClr val="accent1"/>
+          </a:fillRef>
+          <a:effectRef idx="0">
+            <a:schemeClr val="accent1"/>
+          </a:effectRef>
+          <a:fontRef idx="minor">
+            <a:schemeClr val="lt1"/>
+          </a:fontRef>
+        </p:style>
+        <p:txBody>
+          <a:bodyPr rtlCol="0" anchor="ctr"/>
+          <a:lstStyle/>
+          <a:p>
+            <a:pPr algn="ctr"/>
+            <a:endParaRPr lang="pt-PT"/>
+          </a:p>
+        </p:txBody>
+      </p:sp>
+      <p:sp>
+        <p:nvSpPr>
+          <p:cNvPr id="7" name="CaixaDeTexto 6">
+            <a:extLst>
+              <a:ext uri="{FF2B5EF4-FFF2-40B4-BE49-F238E27FC236}">
+                <a16:creationId xmlns:a16="http://schemas.microsoft.com/office/drawing/2014/main" id="{8B04A5FC-F93A-49B3-92B6-8B766FBD06EB}"/>
+              </a:ext>
+            </a:extLst>
+          </p:cNvPr>
+          <p:cNvSpPr txBox="1"/>
+          <p:nvPr/>
+        </p:nvSpPr>
+        <p:spPr>
+          <a:xfrm>
+            <a:off x="6692201" y="6292468"/>
+            <a:ext cx="5084462" cy="369332"/>
+          </a:xfrm>
+          <a:prstGeom prst="rect">
+            <a:avLst/>
+          </a:prstGeom>
+          <a:noFill/>
+        </p:spPr>
+        <p:txBody>
+          <a:bodyPr wrap="square" rtlCol="0">
+            <a:spAutoFit/>
+          </a:bodyPr>
+          <a:lstStyle/>
+          <a:p>
+            <a:r>
+              <a:rPr lang="pt-PT" sz="1600" b="1" dirty="0"/>
+              <a:t>José Rocha :: Telmo Botelho :: IART 20/21 :: Grupo 26 :: </a:t>
+            </a:r>
+            <a:r>
+              <a:rPr lang="pt-PT" b="1" dirty="0"/>
+              <a:t>7</a:t>
+            </a:r>
+            <a:endParaRPr lang="pt-PT" sz="1600" b="1" dirty="0"/>
+          </a:p>
+        </p:txBody>
+      </p:sp>
+      <p:sp>
+        <p:nvSpPr>
+          <p:cNvPr id="11" name="Título 1">
+            <a:extLst>
+              <a:ext uri="{FF2B5EF4-FFF2-40B4-BE49-F238E27FC236}">
+                <a16:creationId xmlns:a16="http://schemas.microsoft.com/office/drawing/2014/main" id="{57684155-E862-4F62-BEFD-8B55EE125DA9}"/>
+              </a:ext>
+            </a:extLst>
+          </p:cNvPr>
+          <p:cNvSpPr txBox="1">
+            <a:spLocks/>
+          </p:cNvSpPr>
+          <p:nvPr/>
+        </p:nvSpPr>
+        <p:spPr>
+          <a:xfrm>
+            <a:off x="838200" y="36058"/>
+            <a:ext cx="10515600" cy="1087788"/>
+          </a:xfrm>
+          <a:prstGeom prst="rect">
+            <a:avLst/>
+          </a:prstGeom>
+        </p:spPr>
+        <p:txBody>
+          <a:bodyPr vert="horz" lIns="91440" tIns="45720" rIns="91440" bIns="45720" rtlCol="0" anchor="b">
+            <a:normAutofit/>
+          </a:bodyPr>
+          <a:lstStyle>
+            <a:lvl1pPr algn="ctr" defTabSz="914400" rtl="0" eaLnBrk="1" latinLnBrk="0" hangingPunct="1">
+              <a:lnSpc>
+                <a:spcPct val="90000"/>
+              </a:lnSpc>
+              <a:spcBef>
+                <a:spcPct val="0"/>
+              </a:spcBef>
+              <a:buNone/>
+              <a:defRPr sz="6000" kern="1200">
+                <a:solidFill>
+                  <a:schemeClr val="tx1"/>
+                </a:solidFill>
+                <a:latin typeface="+mj-lt"/>
+                <a:ea typeface="+mj-ea"/>
+                <a:cs typeface="+mj-cs"/>
+              </a:defRPr>
+            </a:lvl1pPr>
+          </a:lstStyle>
+          <a:p>
+            <a:r>
+              <a:rPr lang="pt-PT" sz="4800" b="1" dirty="0" err="1"/>
+              <a:t>Support</a:t>
+            </a:r>
+            <a:r>
+              <a:rPr lang="pt-PT" sz="4800" b="1" dirty="0"/>
+              <a:t> </a:t>
+            </a:r>
+            <a:r>
+              <a:rPr lang="pt-PT" sz="4800" b="1" dirty="0" err="1"/>
+              <a:t>Vector</a:t>
+            </a:r>
+            <a:r>
+              <a:rPr lang="pt-PT" sz="4800" b="1" dirty="0"/>
+              <a:t> </a:t>
+            </a:r>
+            <a:r>
+              <a:rPr lang="pt-PT" sz="4800" b="1" dirty="0" err="1"/>
+              <a:t>Machines</a:t>
+            </a:r>
+            <a:endParaRPr lang="pt-PT" sz="4800" b="1" dirty="0"/>
+          </a:p>
+        </p:txBody>
+      </p:sp>
+      <p:sp>
+        <p:nvSpPr>
+          <p:cNvPr id="9" name="CaixaDeTexto 8">
+            <a:extLst>
+              <a:ext uri="{FF2B5EF4-FFF2-40B4-BE49-F238E27FC236}">
+                <a16:creationId xmlns:a16="http://schemas.microsoft.com/office/drawing/2014/main" id="{C53BC07E-A8CA-4A63-B979-72455CA05709}"/>
+              </a:ext>
+            </a:extLst>
+          </p:cNvPr>
+          <p:cNvSpPr txBox="1"/>
+          <p:nvPr/>
+        </p:nvSpPr>
+        <p:spPr>
+          <a:xfrm>
+            <a:off x="838201" y="1312105"/>
+            <a:ext cx="10340788" cy="1900777"/>
+          </a:xfrm>
+          <a:prstGeom prst="rect">
+            <a:avLst/>
+          </a:prstGeom>
+          <a:noFill/>
+        </p:spPr>
+        <p:txBody>
+          <a:bodyPr wrap="square" rtlCol="0">
+            <a:spAutoFit/>
+          </a:bodyPr>
+          <a:lstStyle/>
+          <a:p>
+            <a:pPr marL="285750" indent="-285750" algn="just">
+              <a:lnSpc>
+                <a:spcPct val="150000"/>
+              </a:lnSpc>
+              <a:buFont typeface="Arial" panose="020B0604020202020204" pitchFamily="34" charset="0"/>
+              <a:buChar char="•"/>
+            </a:pPr>
+            <a:r>
+              <a:rPr lang="pt-PT" sz="1600" dirty="0"/>
+              <a:t>Foram utilizados como </a:t>
+            </a:r>
+            <a:r>
+              <a:rPr lang="pt-PT" sz="1600" dirty="0" err="1"/>
+              <a:t>hiperparâmetros</a:t>
+            </a:r>
+            <a:r>
+              <a:rPr lang="pt-PT" sz="1600" dirty="0"/>
+              <a:t> o tipo de </a:t>
+            </a:r>
+            <a:r>
+              <a:rPr lang="pt-PT" sz="1600" i="1" dirty="0" err="1"/>
+              <a:t>kernel</a:t>
+            </a:r>
+            <a:r>
+              <a:rPr lang="pt-PT" sz="1600" dirty="0"/>
+              <a:t>, o </a:t>
+            </a:r>
+            <a:r>
+              <a:rPr lang="pt-PT" sz="1600" i="1" dirty="0" err="1"/>
+              <a:t>gamma</a:t>
+            </a:r>
+            <a:r>
+              <a:rPr lang="pt-PT" sz="1600" dirty="0"/>
+              <a:t> e o parâmetro de regularização.</a:t>
+            </a:r>
+          </a:p>
+          <a:p>
+            <a:pPr marL="285750" indent="-285750" algn="just">
+              <a:lnSpc>
+                <a:spcPct val="150000"/>
+              </a:lnSpc>
+              <a:buFont typeface="Arial" panose="020B0604020202020204" pitchFamily="34" charset="0"/>
+              <a:buChar char="•"/>
+            </a:pPr>
+            <a:r>
+              <a:rPr lang="pt-PT" sz="1600" dirty="0"/>
+              <a:t>Como referido anteriormente, foi utilizada uma </a:t>
+            </a:r>
+            <a:r>
+              <a:rPr lang="pt-PT" sz="1600" i="1" dirty="0" err="1"/>
+              <a:t>GridSearchCv</a:t>
+            </a:r>
+            <a:r>
+              <a:rPr lang="pt-PT" sz="1600" dirty="0"/>
+              <a:t>, com 10 </a:t>
+            </a:r>
+            <a:r>
+              <a:rPr lang="pt-PT" sz="1600" dirty="0" err="1"/>
+              <a:t>splits</a:t>
+            </a:r>
+            <a:r>
+              <a:rPr lang="pt-PT" sz="1600" dirty="0"/>
+              <a:t>, e o </a:t>
+            </a:r>
+            <a:r>
+              <a:rPr lang="pt-PT" sz="1600" i="1" dirty="0" err="1"/>
+              <a:t>scoring</a:t>
+            </a:r>
+            <a:r>
+              <a:rPr lang="pt-PT" sz="1600" i="1" dirty="0"/>
+              <a:t> </a:t>
+            </a:r>
+            <a:r>
+              <a:rPr lang="pt-PT" sz="1600" dirty="0"/>
+              <a:t>foi baseado num parâmetro de </a:t>
+            </a:r>
+            <a:r>
+              <a:rPr lang="pt-PT" sz="1600" i="1" dirty="0" err="1"/>
+              <a:t>accuracy</a:t>
+            </a:r>
+            <a:r>
+              <a:rPr lang="pt-PT" sz="1600" dirty="0"/>
+              <a:t>.</a:t>
+            </a:r>
+          </a:p>
+          <a:p>
+            <a:pPr marL="285750" indent="-285750" algn="just">
+              <a:lnSpc>
+                <a:spcPct val="150000"/>
+              </a:lnSpc>
+              <a:buFont typeface="Arial" panose="020B0604020202020204" pitchFamily="34" charset="0"/>
+              <a:buChar char="•"/>
+            </a:pPr>
+            <a:r>
+              <a:rPr lang="pt-PT" sz="1600" dirty="0"/>
+              <a:t>Através da análise dos resultados é possível deduzir que o modelo não foi alvo de </a:t>
+            </a:r>
+            <a:r>
+              <a:rPr lang="pt-PT" sz="1600" i="1" dirty="0" err="1"/>
+              <a:t>overfitting</a:t>
+            </a:r>
+            <a:r>
+              <a:rPr lang="pt-PT" sz="1600" dirty="0"/>
+              <a:t>.  A precisão atingida através deste classificador é de 99.3%.</a:t>
+            </a:r>
+          </a:p>
+        </p:txBody>
+      </p:sp>
+      <p:pic>
+        <p:nvPicPr>
+          <p:cNvPr id="4" name="Imagem 3">
+            <a:extLst>
+              <a:ext uri="{FF2B5EF4-FFF2-40B4-BE49-F238E27FC236}">
+                <a16:creationId xmlns:a16="http://schemas.microsoft.com/office/drawing/2014/main" id="{2C22A617-3B22-42CF-A587-F270B70A0D70}"/>
+              </a:ext>
+            </a:extLst>
+          </p:cNvPr>
+          <p:cNvPicPr>
+            <a:picLocks noChangeAspect="1"/>
+          </p:cNvPicPr>
+          <p:nvPr/>
+        </p:nvPicPr>
+        <p:blipFill>
+          <a:blip r:embed="rId2"/>
+          <a:stretch>
+            <a:fillRect/>
+          </a:stretch>
+        </p:blipFill>
+        <p:spPr>
+          <a:xfrm>
+            <a:off x="1524755" y="3307976"/>
+            <a:ext cx="4066732" cy="2898628"/>
+          </a:xfrm>
+          <a:prstGeom prst="rect">
+            <a:avLst/>
+          </a:prstGeom>
+        </p:spPr>
+      </p:pic>
+      <p:pic>
+        <p:nvPicPr>
+          <p:cNvPr id="10" name="Imagem 9">
+            <a:extLst>
+              <a:ext uri="{FF2B5EF4-FFF2-40B4-BE49-F238E27FC236}">
+                <a16:creationId xmlns:a16="http://schemas.microsoft.com/office/drawing/2014/main" id="{D4781253-1C31-46C1-9843-4E3F3BA4EC22}"/>
+              </a:ext>
+            </a:extLst>
+          </p:cNvPr>
+          <p:cNvPicPr>
+            <a:picLocks noChangeAspect="1"/>
+          </p:cNvPicPr>
+          <p:nvPr/>
+        </p:nvPicPr>
+        <p:blipFill>
+          <a:blip r:embed="rId3"/>
+          <a:stretch>
+            <a:fillRect/>
+          </a:stretch>
+        </p:blipFill>
+        <p:spPr>
+          <a:xfrm>
+            <a:off x="6240486" y="3309340"/>
+            <a:ext cx="4158573" cy="2897264"/>
+          </a:xfrm>
+          <a:prstGeom prst="rect">
+            <a:avLst/>
+          </a:prstGeom>
+        </p:spPr>
+      </p:pic>
+    </p:spTree>
+    <p:extLst>
+      <p:ext uri="{BB962C8B-B14F-4D97-AF65-F5344CB8AC3E}">
+        <p14:creationId xmlns:p14="http://schemas.microsoft.com/office/powerpoint/2010/main" val="3169824238"/>
+      </p:ext>
+    </p:extLst>
+  </p:cSld>
+  <p:clrMapOvr>
+    <a:masterClrMapping/>
+  </p:clrMapOvr>
+</p:sld>
+</file>
+
+<file path=ppt/slides/slide8.xml><?xml version="1.0" encoding="utf-8"?>
+<p:sld xmlns:a="http://schemas.openxmlformats.org/drawingml/2006/main" xmlns:r="http://schemas.openxmlformats.org/officeDocument/2006/relationships" xmlns:p="http://schemas.openxmlformats.org/presentationml/2006/main">
+  <p:cSld>
+    <p:spTree>
+      <p:nvGrpSpPr>
+        <p:cNvPr id="1" name=""/>
+        <p:cNvGrpSpPr/>
+        <p:nvPr/>
+      </p:nvGrpSpPr>
+      <p:grpSpPr>
+        <a:xfrm>
+          <a:off x="0" y="0"/>
+          <a:ext cx="0" cy="0"/>
+          <a:chOff x="0" y="0"/>
+          <a:chExt cx="0" cy="0"/>
+        </a:xfrm>
+      </p:grpSpPr>
+      <p:sp>
+        <p:nvSpPr>
+          <p:cNvPr id="6" name="Retângulo 5">
+            <a:extLst>
+              <a:ext uri="{FF2B5EF4-FFF2-40B4-BE49-F238E27FC236}">
+                <a16:creationId xmlns:a16="http://schemas.microsoft.com/office/drawing/2014/main" id="{454CAB97-83B3-44A3-8CA4-605ECF34C270}"/>
+              </a:ext>
+            </a:extLst>
+          </p:cNvPr>
+          <p:cNvSpPr/>
+          <p:nvPr/>
+        </p:nvSpPr>
+        <p:spPr>
+          <a:xfrm>
+            <a:off x="391885" y="6322612"/>
+            <a:ext cx="11364880" cy="309300"/>
+          </a:xfrm>
+          <a:prstGeom prst="rect">
+            <a:avLst/>
+          </a:prstGeom>
+          <a:gradFill>
+            <a:gsLst>
+              <a:gs pos="0">
+                <a:schemeClr val="accent1">
+                  <a:tint val="66000"/>
+                  <a:satMod val="160000"/>
+                  <a:lumMod val="70000"/>
+                  <a:lumOff val="30000"/>
+                </a:schemeClr>
+              </a:gs>
+              <a:gs pos="48000">
+                <a:schemeClr val="accent1">
+                  <a:tint val="44500"/>
+                  <a:satMod val="160000"/>
+                </a:schemeClr>
+              </a:gs>
+              <a:gs pos="70000">
+                <a:schemeClr val="accent1">
+                  <a:tint val="23500"/>
+                  <a:satMod val="160000"/>
+                </a:schemeClr>
+              </a:gs>
+            </a:gsLst>
+            <a:lin ang="2700000" scaled="0"/>
+          </a:gradFill>
+          <a:ln>
+            <a:noFill/>
+          </a:ln>
+        </p:spPr>
+        <p:style>
+          <a:lnRef idx="2">
+            <a:schemeClr val="accent1">
+              <a:shade val="50000"/>
+            </a:schemeClr>
+          </a:lnRef>
+          <a:fillRef idx="1">
+            <a:schemeClr val="accent1"/>
+          </a:fillRef>
+          <a:effectRef idx="0">
+            <a:schemeClr val="accent1"/>
+          </a:effectRef>
+          <a:fontRef idx="minor">
+            <a:schemeClr val="lt1"/>
+          </a:fontRef>
+        </p:style>
+        <p:txBody>
+          <a:bodyPr rtlCol="0" anchor="ctr"/>
+          <a:lstStyle/>
+          <a:p>
+            <a:pPr algn="ctr"/>
+            <a:endParaRPr lang="pt-PT"/>
+          </a:p>
+        </p:txBody>
+      </p:sp>
+      <p:sp>
+        <p:nvSpPr>
+          <p:cNvPr id="7" name="CaixaDeTexto 6">
+            <a:extLst>
+              <a:ext uri="{FF2B5EF4-FFF2-40B4-BE49-F238E27FC236}">
+                <a16:creationId xmlns:a16="http://schemas.microsoft.com/office/drawing/2014/main" id="{8B04A5FC-F93A-49B3-92B6-8B766FBD06EB}"/>
+              </a:ext>
+            </a:extLst>
+          </p:cNvPr>
+          <p:cNvSpPr txBox="1"/>
+          <p:nvPr/>
+        </p:nvSpPr>
+        <p:spPr>
+          <a:xfrm>
+            <a:off x="6692201" y="6292468"/>
+            <a:ext cx="5084462" cy="369332"/>
+          </a:xfrm>
+          <a:prstGeom prst="rect">
+            <a:avLst/>
+          </a:prstGeom>
+          <a:noFill/>
+        </p:spPr>
+        <p:txBody>
+          <a:bodyPr wrap="square" rtlCol="0">
+            <a:spAutoFit/>
+          </a:bodyPr>
+          <a:lstStyle/>
+          <a:p>
+            <a:r>
+              <a:rPr lang="pt-PT" sz="1600" b="1" dirty="0"/>
+              <a:t>José Rocha :: Telmo Botelho :: IART 20/21 :: Grupo 26 :: </a:t>
+            </a:r>
+            <a:r>
+              <a:rPr lang="pt-PT" b="1" dirty="0"/>
+              <a:t>8</a:t>
+            </a:r>
+            <a:endParaRPr lang="pt-PT" sz="1600" b="1" dirty="0"/>
+          </a:p>
+        </p:txBody>
+      </p:sp>
+      <p:sp>
+        <p:nvSpPr>
+          <p:cNvPr id="11" name="Título 1">
+            <a:extLst>
+              <a:ext uri="{FF2B5EF4-FFF2-40B4-BE49-F238E27FC236}">
+                <a16:creationId xmlns:a16="http://schemas.microsoft.com/office/drawing/2014/main" id="{57684155-E862-4F62-BEFD-8B55EE125DA9}"/>
+              </a:ext>
+            </a:extLst>
+          </p:cNvPr>
+          <p:cNvSpPr txBox="1">
+            <a:spLocks/>
+          </p:cNvSpPr>
+          <p:nvPr/>
+        </p:nvSpPr>
+        <p:spPr>
+          <a:xfrm>
+            <a:off x="838200" y="36058"/>
+            <a:ext cx="10515600" cy="1087788"/>
+          </a:xfrm>
+          <a:prstGeom prst="rect">
+            <a:avLst/>
+          </a:prstGeom>
+        </p:spPr>
+        <p:txBody>
+          <a:bodyPr vert="horz" lIns="91440" tIns="45720" rIns="91440" bIns="45720" rtlCol="0" anchor="b">
+            <a:normAutofit/>
+          </a:bodyPr>
+          <a:lstStyle>
+            <a:lvl1pPr algn="ctr" defTabSz="914400" rtl="0" eaLnBrk="1" latinLnBrk="0" hangingPunct="1">
+              <a:lnSpc>
+                <a:spcPct val="90000"/>
+              </a:lnSpc>
+              <a:spcBef>
+                <a:spcPct val="0"/>
+              </a:spcBef>
+              <a:buNone/>
+              <a:defRPr sz="6000" kern="1200">
+                <a:solidFill>
+                  <a:schemeClr val="tx1"/>
+                </a:solidFill>
+                <a:latin typeface="+mj-lt"/>
+                <a:ea typeface="+mj-ea"/>
+                <a:cs typeface="+mj-cs"/>
+              </a:defRPr>
+            </a:lvl1pPr>
+          </a:lstStyle>
+          <a:p>
+            <a:r>
+              <a:rPr lang="pt-PT" sz="4800" b="1" dirty="0"/>
+              <a:t>Neural Networks</a:t>
+            </a:r>
+          </a:p>
+        </p:txBody>
+      </p:sp>
+      <p:sp>
+        <p:nvSpPr>
+          <p:cNvPr id="9" name="CaixaDeTexto 8">
+            <a:extLst>
+              <a:ext uri="{FF2B5EF4-FFF2-40B4-BE49-F238E27FC236}">
+                <a16:creationId xmlns:a16="http://schemas.microsoft.com/office/drawing/2014/main" id="{C53BC07E-A8CA-4A63-B979-72455CA05709}"/>
+              </a:ext>
+            </a:extLst>
+          </p:cNvPr>
+          <p:cNvSpPr txBox="1"/>
+          <p:nvPr/>
+        </p:nvSpPr>
+        <p:spPr>
+          <a:xfrm>
+            <a:off x="1129553" y="1312105"/>
+            <a:ext cx="10067366" cy="2270109"/>
+          </a:xfrm>
+          <a:prstGeom prst="rect">
+            <a:avLst/>
+          </a:prstGeom>
+          <a:noFill/>
+        </p:spPr>
+        <p:txBody>
+          <a:bodyPr wrap="square" rtlCol="0">
+            <a:spAutoFit/>
+          </a:bodyPr>
+          <a:lstStyle/>
+          <a:p>
+            <a:pPr marL="285750" indent="-285750" algn="just">
+              <a:lnSpc>
+                <a:spcPct val="150000"/>
+              </a:lnSpc>
+              <a:buFont typeface="Arial" panose="020B0604020202020204" pitchFamily="34" charset="0"/>
+              <a:buChar char="•"/>
+            </a:pPr>
+            <a:r>
+              <a:rPr lang="pt-PT" sz="1600" dirty="0"/>
+              <a:t>Foram utilizados como </a:t>
+            </a:r>
+            <a:r>
+              <a:rPr lang="pt-PT" sz="1600" dirty="0" err="1"/>
+              <a:t>hiperparâmetros</a:t>
+            </a:r>
+            <a:r>
+              <a:rPr lang="pt-PT" sz="1600" dirty="0"/>
+              <a:t> o tamanho das </a:t>
+            </a:r>
+            <a:r>
+              <a:rPr lang="pt-PT" sz="1600" i="1" dirty="0" err="1"/>
+              <a:t>layers</a:t>
+            </a:r>
+            <a:r>
+              <a:rPr lang="pt-PT" sz="1600" dirty="0"/>
+              <a:t>, a função de ativação, o </a:t>
+            </a:r>
+            <a:r>
+              <a:rPr lang="pt-PT" sz="1600" i="1" dirty="0"/>
+              <a:t>solver </a:t>
+            </a:r>
+            <a:r>
+              <a:rPr lang="pt-PT" sz="1600" dirty="0"/>
+              <a:t>para a função de ativação,</a:t>
+            </a:r>
+            <a:r>
+              <a:rPr lang="pt-PT" sz="1600" i="1" dirty="0"/>
+              <a:t> </a:t>
+            </a:r>
+            <a:r>
+              <a:rPr lang="pt-PT" sz="1600" dirty="0"/>
+              <a:t>o</a:t>
+            </a:r>
+            <a:r>
+              <a:rPr lang="pt-PT" sz="1600" i="1" dirty="0"/>
+              <a:t> </a:t>
+            </a:r>
+            <a:r>
+              <a:rPr lang="pt-PT" sz="1600" i="1" dirty="0" err="1"/>
+              <a:t>alpha</a:t>
+            </a:r>
+            <a:r>
+              <a:rPr lang="pt-PT" sz="1600" dirty="0"/>
+              <a:t> e o </a:t>
+            </a:r>
+            <a:r>
+              <a:rPr lang="pt-PT" sz="1600" i="1" dirty="0" err="1"/>
+              <a:t>learning</a:t>
+            </a:r>
+            <a:r>
+              <a:rPr lang="pt-PT" sz="1600" i="1" dirty="0"/>
+              <a:t> rate.</a:t>
+            </a:r>
+            <a:endParaRPr lang="pt-PT" sz="1600" dirty="0"/>
+          </a:p>
+          <a:p>
+            <a:pPr marL="285750" indent="-285750" algn="just">
+              <a:lnSpc>
+                <a:spcPct val="150000"/>
+              </a:lnSpc>
+              <a:buFont typeface="Arial" panose="020B0604020202020204" pitchFamily="34" charset="0"/>
+              <a:buChar char="•"/>
+            </a:pPr>
+            <a:r>
+              <a:rPr lang="pt-PT" sz="1600" dirty="0"/>
+              <a:t>Como referido anteriormente, foi utilizada uma </a:t>
+            </a:r>
+            <a:r>
+              <a:rPr lang="pt-PT" sz="1600" i="1" dirty="0" err="1"/>
+              <a:t>GridSearchCv</a:t>
+            </a:r>
+            <a:r>
+              <a:rPr lang="pt-PT" sz="1600" dirty="0"/>
+              <a:t>, com 10 </a:t>
+            </a:r>
+            <a:r>
+              <a:rPr lang="pt-PT" sz="1600" dirty="0" err="1"/>
+              <a:t>splits</a:t>
+            </a:r>
+            <a:r>
+              <a:rPr lang="pt-PT" sz="1600" dirty="0"/>
+              <a:t>, e o </a:t>
+            </a:r>
+            <a:r>
+              <a:rPr lang="pt-PT" sz="1600" i="1" dirty="0" err="1"/>
+              <a:t>scoring</a:t>
+            </a:r>
+            <a:r>
+              <a:rPr lang="pt-PT" sz="1600" i="1" dirty="0"/>
+              <a:t> </a:t>
+            </a:r>
+            <a:r>
+              <a:rPr lang="pt-PT" sz="1600" dirty="0"/>
+              <a:t>foi baseado num parâmetro de </a:t>
+            </a:r>
+            <a:r>
+              <a:rPr lang="pt-PT" sz="1600" i="1" dirty="0" err="1"/>
+              <a:t>accuracy</a:t>
+            </a:r>
+            <a:r>
+              <a:rPr lang="pt-PT" sz="1600" dirty="0"/>
+              <a:t>.</a:t>
+            </a:r>
+          </a:p>
+          <a:p>
+            <a:pPr marL="285750" indent="-285750" algn="just">
+              <a:lnSpc>
+                <a:spcPct val="150000"/>
+              </a:lnSpc>
+              <a:buFont typeface="Arial" panose="020B0604020202020204" pitchFamily="34" charset="0"/>
+              <a:buChar char="•"/>
+            </a:pPr>
+            <a:r>
+              <a:rPr lang="pt-PT" sz="1600" dirty="0"/>
+              <a:t>Através da análise dos resultados é possível deduzir que o modelo não foi alvo de </a:t>
+            </a:r>
+            <a:r>
+              <a:rPr lang="pt-PT" sz="1600" i="1" dirty="0" err="1"/>
+              <a:t>overfitting</a:t>
+            </a:r>
+            <a:r>
+              <a:rPr lang="pt-PT" sz="1600" dirty="0"/>
+              <a:t>. A precisão atingida por este classificador de 97.7%.</a:t>
+            </a:r>
+          </a:p>
+        </p:txBody>
+      </p:sp>
+      <p:pic>
+        <p:nvPicPr>
+          <p:cNvPr id="4" name="Imagem 3">
+            <a:extLst>
+              <a:ext uri="{FF2B5EF4-FFF2-40B4-BE49-F238E27FC236}">
+                <a16:creationId xmlns:a16="http://schemas.microsoft.com/office/drawing/2014/main" id="{5120ED95-C99C-4C0A-ADA3-1FBDEAC56140}"/>
+              </a:ext>
+            </a:extLst>
+          </p:cNvPr>
+          <p:cNvPicPr>
+            <a:picLocks noChangeAspect="1"/>
+          </p:cNvPicPr>
+          <p:nvPr/>
+        </p:nvPicPr>
+        <p:blipFill>
+          <a:blip r:embed="rId2"/>
+          <a:stretch>
+            <a:fillRect/>
+          </a:stretch>
+        </p:blipFill>
+        <p:spPr>
+          <a:xfrm>
+            <a:off x="5071226" y="3742708"/>
+            <a:ext cx="5811925" cy="2316209"/>
+          </a:xfrm>
+          <a:prstGeom prst="rect">
+            <a:avLst/>
+          </a:prstGeom>
+        </p:spPr>
+      </p:pic>
+      <p:pic>
+        <p:nvPicPr>
+          <p:cNvPr id="10" name="Imagem 9">
+            <a:extLst>
+              <a:ext uri="{FF2B5EF4-FFF2-40B4-BE49-F238E27FC236}">
+                <a16:creationId xmlns:a16="http://schemas.microsoft.com/office/drawing/2014/main" id="{E78549C8-6CFF-4EBB-9040-4DB5444E78C9}"/>
+              </a:ext>
+            </a:extLst>
+          </p:cNvPr>
+          <p:cNvPicPr>
+            <a:picLocks noChangeAspect="1"/>
+          </p:cNvPicPr>
+          <p:nvPr/>
+        </p:nvPicPr>
+        <p:blipFill>
+          <a:blip r:embed="rId3"/>
+          <a:stretch>
+            <a:fillRect/>
+          </a:stretch>
+        </p:blipFill>
+        <p:spPr>
+          <a:xfrm>
+            <a:off x="1700188" y="3742708"/>
+            <a:ext cx="3048344" cy="2316209"/>
+          </a:xfrm>
+          <a:prstGeom prst="rect">
+            <a:avLst/>
+          </a:prstGeom>
+        </p:spPr>
+      </p:pic>
+    </p:spTree>
+    <p:extLst>
+      <p:ext uri="{BB962C8B-B14F-4D97-AF65-F5344CB8AC3E}">
+        <p14:creationId xmlns:p14="http://schemas.microsoft.com/office/powerpoint/2010/main" val="1492730845"/>
+      </p:ext>
+    </p:extLst>
+  </p:cSld>
+  <p:clrMapOvr>
+    <a:masterClrMapping/>
+  </p:clrMapOvr>
+</p:sld>
+</file>
+
+<file path=ppt/slides/slide9.xml><?xml version="1.0" encoding="utf-8"?>
+<p:sld xmlns:a="http://schemas.openxmlformats.org/drawingml/2006/main" xmlns:r="http://schemas.openxmlformats.org/officeDocument/2006/relationships" xmlns:p="http://schemas.openxmlformats.org/presentationml/2006/main">
+  <p:cSld>
+    <p:spTree>
+      <p:nvGrpSpPr>
+        <p:cNvPr id="1" name=""/>
+        <p:cNvGrpSpPr/>
+        <p:nvPr/>
+      </p:nvGrpSpPr>
+      <p:grpSpPr>
+        <a:xfrm>
+          <a:off x="0" y="0"/>
+          <a:ext cx="0" cy="0"/>
+          <a:chOff x="0" y="0"/>
+          <a:chExt cx="0" cy="0"/>
+        </a:xfrm>
+      </p:grpSpPr>
+      <p:sp>
+        <p:nvSpPr>
+          <p:cNvPr id="6" name="Retângulo 5">
+            <a:extLst>
+              <a:ext uri="{FF2B5EF4-FFF2-40B4-BE49-F238E27FC236}">
+                <a16:creationId xmlns:a16="http://schemas.microsoft.com/office/drawing/2014/main" id="{454CAB97-83B3-44A3-8CA4-605ECF34C270}"/>
+              </a:ext>
+            </a:extLst>
+          </p:cNvPr>
+          <p:cNvSpPr/>
+          <p:nvPr/>
+        </p:nvSpPr>
+        <p:spPr>
+          <a:xfrm>
+            <a:off x="391885" y="6322612"/>
+            <a:ext cx="11364880" cy="309300"/>
+          </a:xfrm>
+          <a:prstGeom prst="rect">
+            <a:avLst/>
+          </a:prstGeom>
+          <a:gradFill>
+            <a:gsLst>
+              <a:gs pos="0">
+                <a:schemeClr val="accent1">
+                  <a:tint val="66000"/>
+                  <a:satMod val="160000"/>
+                  <a:lumMod val="70000"/>
+                  <a:lumOff val="30000"/>
+                </a:schemeClr>
+              </a:gs>
+              <a:gs pos="48000">
+                <a:schemeClr val="accent1">
+                  <a:tint val="44500"/>
+                  <a:satMod val="160000"/>
+                </a:schemeClr>
+              </a:gs>
+              <a:gs pos="70000">
+                <a:schemeClr val="accent1">
+                  <a:tint val="23500"/>
+                  <a:satMod val="160000"/>
+                </a:schemeClr>
+              </a:gs>
+            </a:gsLst>
+            <a:lin ang="2700000" scaled="0"/>
+          </a:gradFill>
+          <a:ln>
+            <a:noFill/>
+          </a:ln>
+        </p:spPr>
+        <p:style>
+          <a:lnRef idx="2">
+            <a:schemeClr val="accent1">
+              <a:shade val="50000"/>
+            </a:schemeClr>
+          </a:lnRef>
+          <a:fillRef idx="1">
+            <a:schemeClr val="accent1"/>
+          </a:fillRef>
+          <a:effectRef idx="0">
+            <a:schemeClr val="accent1"/>
+          </a:effectRef>
+          <a:fontRef idx="minor">
+            <a:schemeClr val="lt1"/>
+          </a:fontRef>
+        </p:style>
+        <p:txBody>
+          <a:bodyPr rtlCol="0" anchor="ctr"/>
+          <a:lstStyle/>
+          <a:p>
+            <a:pPr algn="ctr"/>
+            <a:endParaRPr lang="pt-PT"/>
+          </a:p>
+        </p:txBody>
+      </p:sp>
+      <p:sp>
+        <p:nvSpPr>
+          <p:cNvPr id="7" name="CaixaDeTexto 6">
+            <a:extLst>
+              <a:ext uri="{FF2B5EF4-FFF2-40B4-BE49-F238E27FC236}">
+                <a16:creationId xmlns:a16="http://schemas.microsoft.com/office/drawing/2014/main" id="{8B04A5FC-F93A-49B3-92B6-8B766FBD06EB}"/>
+              </a:ext>
+            </a:extLst>
+          </p:cNvPr>
+          <p:cNvSpPr txBox="1"/>
+          <p:nvPr/>
+        </p:nvSpPr>
+        <p:spPr>
+          <a:xfrm>
+            <a:off x="6692201" y="6319363"/>
+            <a:ext cx="5084462" cy="338554"/>
+          </a:xfrm>
+          <a:prstGeom prst="rect">
+            <a:avLst/>
+          </a:prstGeom>
+          <a:noFill/>
+        </p:spPr>
+        <p:txBody>
+          <a:bodyPr wrap="square" rtlCol="0">
+            <a:spAutoFit/>
+          </a:bodyPr>
+          <a:lstStyle/>
+          <a:p>
+            <a:r>
+              <a:rPr lang="pt-PT" sz="1600" b="1" dirty="0"/>
+              <a:t>José Rocha :: Telmo Botelho :: IART 20/21 :: Grupo 26 :: 9</a:t>
+            </a:r>
+          </a:p>
+        </p:txBody>
+      </p:sp>
+      <p:sp>
+        <p:nvSpPr>
+          <p:cNvPr id="11" name="Título 1">
+            <a:extLst>
+              <a:ext uri="{FF2B5EF4-FFF2-40B4-BE49-F238E27FC236}">
+                <a16:creationId xmlns:a16="http://schemas.microsoft.com/office/drawing/2014/main" id="{57684155-E862-4F62-BEFD-8B55EE125DA9}"/>
+              </a:ext>
+            </a:extLst>
+          </p:cNvPr>
+          <p:cNvSpPr txBox="1">
+            <a:spLocks/>
+          </p:cNvSpPr>
+          <p:nvPr/>
+        </p:nvSpPr>
+        <p:spPr>
+          <a:xfrm>
+            <a:off x="838200" y="36058"/>
+            <a:ext cx="10515600" cy="1087788"/>
+          </a:xfrm>
+          <a:prstGeom prst="rect">
+            <a:avLst/>
+          </a:prstGeom>
+        </p:spPr>
+        <p:txBody>
+          <a:bodyPr vert="horz" lIns="91440" tIns="45720" rIns="91440" bIns="45720" rtlCol="0" anchor="b">
+            <a:normAutofit/>
+          </a:bodyPr>
+          <a:lstStyle>
+            <a:lvl1pPr algn="ctr" defTabSz="914400" rtl="0" eaLnBrk="1" latinLnBrk="0" hangingPunct="1">
+              <a:lnSpc>
+                <a:spcPct val="90000"/>
+              </a:lnSpc>
+              <a:spcBef>
+                <a:spcPct val="0"/>
+              </a:spcBef>
+              <a:buNone/>
+              <a:defRPr sz="6000" kern="1200">
+                <a:solidFill>
+                  <a:schemeClr val="tx1"/>
+                </a:solidFill>
+                <a:latin typeface="+mj-lt"/>
+                <a:ea typeface="+mj-ea"/>
+                <a:cs typeface="+mj-cs"/>
+              </a:defRPr>
+            </a:lvl1pPr>
+          </a:lstStyle>
+          <a:p>
+            <a:r>
+              <a:rPr lang="pt-PT" sz="4800" b="1" dirty="0"/>
+              <a:t>Comparação de Resultados</a:t>
+            </a:r>
+          </a:p>
+        </p:txBody>
+      </p:sp>
+      <p:pic>
+        <p:nvPicPr>
+          <p:cNvPr id="9" name="Imagem 8">
+            <a:extLst>
+              <a:ext uri="{FF2B5EF4-FFF2-40B4-BE49-F238E27FC236}">
+                <a16:creationId xmlns:a16="http://schemas.microsoft.com/office/drawing/2014/main" id="{D902EB18-FBE0-4FF9-AB0A-C2D3F335F77D}"/>
+              </a:ext>
+            </a:extLst>
+          </p:cNvPr>
+          <p:cNvPicPr>
+            <a:picLocks noChangeAspect="1"/>
+          </p:cNvPicPr>
+          <p:nvPr/>
+        </p:nvPicPr>
+        <p:blipFill>
+          <a:blip r:embed="rId2"/>
+          <a:stretch>
+            <a:fillRect/>
+          </a:stretch>
+        </p:blipFill>
+        <p:spPr>
+          <a:xfrm>
+            <a:off x="8035196" y="2073493"/>
+            <a:ext cx="3813312" cy="2825744"/>
+          </a:xfrm>
+          <a:prstGeom prst="rect">
+            <a:avLst/>
+          </a:prstGeom>
+        </p:spPr>
+      </p:pic>
+      <p:pic>
+        <p:nvPicPr>
+          <p:cNvPr id="13" name="Imagem 12">
+            <a:extLst>
+              <a:ext uri="{FF2B5EF4-FFF2-40B4-BE49-F238E27FC236}">
+                <a16:creationId xmlns:a16="http://schemas.microsoft.com/office/drawing/2014/main" id="{AC67474E-6682-4A35-9C4F-F04EDF48FCA5}"/>
+              </a:ext>
+            </a:extLst>
+          </p:cNvPr>
+          <p:cNvPicPr>
+            <a:picLocks noChangeAspect="1"/>
+          </p:cNvPicPr>
+          <p:nvPr/>
+        </p:nvPicPr>
+        <p:blipFill>
+          <a:blip r:embed="rId3"/>
+          <a:stretch>
+            <a:fillRect/>
+          </a:stretch>
+        </p:blipFill>
+        <p:spPr>
+          <a:xfrm>
+            <a:off x="4307730" y="2046598"/>
+            <a:ext cx="3894976" cy="2935243"/>
+          </a:xfrm>
+          <a:prstGeom prst="rect">
+            <a:avLst/>
+          </a:prstGeom>
+        </p:spPr>
+      </p:pic>
+      <p:pic>
+        <p:nvPicPr>
+          <p:cNvPr id="15" name="Imagem 14">
+            <a:extLst>
+              <a:ext uri="{FF2B5EF4-FFF2-40B4-BE49-F238E27FC236}">
+                <a16:creationId xmlns:a16="http://schemas.microsoft.com/office/drawing/2014/main" id="{540A5786-AE94-46CA-9B81-C648509B34CB}"/>
+              </a:ext>
+            </a:extLst>
+          </p:cNvPr>
+          <p:cNvPicPr>
+            <a:picLocks noChangeAspect="1"/>
+          </p:cNvPicPr>
+          <p:nvPr/>
+        </p:nvPicPr>
+        <p:blipFill>
+          <a:blip r:embed="rId4"/>
+          <a:stretch>
+            <a:fillRect/>
+          </a:stretch>
+        </p:blipFill>
+        <p:spPr>
+          <a:xfrm>
+            <a:off x="391885" y="2050187"/>
+            <a:ext cx="4041351" cy="3012775"/>
+          </a:xfrm>
+          <a:prstGeom prst="rect">
+            <a:avLst/>
+          </a:prstGeom>
+        </p:spPr>
+      </p:pic>
+    </p:spTree>
+    <p:extLst>
+      <p:ext uri="{BB962C8B-B14F-4D97-AF65-F5344CB8AC3E}">
+        <p14:creationId xmlns:p14="http://schemas.microsoft.com/office/powerpoint/2010/main" val="3279613682"/>
       </p:ext>
     </p:extLst>
   </p:cSld>
